--- a/Курсовая Гончаров презентация.pptx
+++ b/Курсовая Гончаров презентация.pptx
@@ -5,7 +5,7 @@
     <p:sldMasterId id="2147483648" r:id="rId1"/>
   </p:sldMasterIdLst>
   <p:notesMasterIdLst>
-    <p:notesMasterId r:id="rId19"/>
+    <p:notesMasterId r:id="rId18"/>
   </p:notesMasterIdLst>
   <p:sldIdLst>
     <p:sldId id="256" r:id="rId2"/>
@@ -13,53 +13,52 @@
     <p:sldId id="260" r:id="rId4"/>
     <p:sldId id="261" r:id="rId5"/>
     <p:sldId id="277" r:id="rId6"/>
-    <p:sldId id="262" r:id="rId7"/>
-    <p:sldId id="263" r:id="rId8"/>
-    <p:sldId id="273" r:id="rId9"/>
-    <p:sldId id="274" r:id="rId10"/>
-    <p:sldId id="264" r:id="rId11"/>
-    <p:sldId id="275" r:id="rId12"/>
-    <p:sldId id="276" r:id="rId13"/>
-    <p:sldId id="266" r:id="rId14"/>
-    <p:sldId id="267" r:id="rId15"/>
-    <p:sldId id="268" r:id="rId16"/>
-    <p:sldId id="269" r:id="rId17"/>
-    <p:sldId id="270" r:id="rId18"/>
+    <p:sldId id="263" r:id="rId7"/>
+    <p:sldId id="273" r:id="rId8"/>
+    <p:sldId id="274" r:id="rId9"/>
+    <p:sldId id="264" r:id="rId10"/>
+    <p:sldId id="275" r:id="rId11"/>
+    <p:sldId id="276" r:id="rId12"/>
+    <p:sldId id="266" r:id="rId13"/>
+    <p:sldId id="267" r:id="rId14"/>
+    <p:sldId id="268" r:id="rId15"/>
+    <p:sldId id="269" r:id="rId16"/>
+    <p:sldId id="270" r:id="rId17"/>
   </p:sldIdLst>
   <p:sldSz cx="24384000" cy="13716000"/>
   <p:notesSz cx="6858000" cy="9144000"/>
   <p:embeddedFontLst>
     <p:embeddedFont>
-      <p:font typeface="Montserrat" panose="020B0604020202020204" charset="-52"/>
+      <p:font typeface="Cambria Math" panose="02040503050406030204" pitchFamily="18" charset="0"/>
+      <p:regular r:id="rId19"/>
+    </p:embeddedFont>
+    <p:embeddedFont>
+      <p:font typeface="Helvetica Neue" panose="020B0604020202020204" charset="0"/>
       <p:regular r:id="rId20"/>
       <p:bold r:id="rId21"/>
       <p:italic r:id="rId22"/>
       <p:boldItalic r:id="rId23"/>
     </p:embeddedFont>
     <p:embeddedFont>
-      <p:font typeface="Poppins" panose="020B0604020202020204" charset="0"/>
+      <p:font typeface="Open Sans" pitchFamily="2" charset="0"/>
       <p:regular r:id="rId24"/>
       <p:bold r:id="rId25"/>
       <p:italic r:id="rId26"/>
       <p:boldItalic r:id="rId27"/>
     </p:embeddedFont>
     <p:embeddedFont>
-      <p:font typeface="Helvetica Neue" panose="020B0604020202020204" charset="0"/>
+      <p:font typeface="Montserrat" panose="020B0604020202020204" charset="-52"/>
       <p:regular r:id="rId28"/>
       <p:bold r:id="rId29"/>
       <p:italic r:id="rId30"/>
       <p:boldItalic r:id="rId31"/>
     </p:embeddedFont>
     <p:embeddedFont>
-      <p:font typeface="Open Sans" pitchFamily="2" charset="0"/>
+      <p:font typeface="Poppins" panose="020B0604020202020204" charset="0"/>
       <p:regular r:id="rId32"/>
       <p:bold r:id="rId33"/>
       <p:italic r:id="rId34"/>
       <p:boldItalic r:id="rId35"/>
-    </p:embeddedFont>
-    <p:embeddedFont>
-      <p:font typeface="Cambria Math" panose="02040503050406030204" pitchFamily="18" charset="0"/>
-      <p:regular r:id="rId36"/>
     </p:embeddedFont>
   </p:embeddedFontLst>
   <p:defaultTextStyle>
@@ -296,7 +295,7 @@
       <p15:sldGuideLst xmlns:p15="http://schemas.microsoft.com/office/powerpoint/2012/main"/>
     </p:ext>
     <p:ext uri="http://customooxmlschemas.google.com/">
-      <go:slidesCustomData xmlns:go="http://customooxmlschemas.google.com/" xmlns:ahyp="http://schemas.microsoft.com/office/drawing/2018/hyperlinkcolor" xmlns:p15="http://schemas.microsoft.com/office/powerpoint/2012/main" xmlns:p14="http://schemas.microsoft.com/office/powerpoint/2010/main" xmlns:com="http://schemas.openxmlformats.org/drawingml/2006/compatibility" xmlns:pvml="urn:schemas-microsoft-com:office:powerpoint" xmlns:v="urn:schemas-microsoft-com:vml" xmlns:o="urn:schemas-microsoft-com:office:office" xmlns:dgm="http://schemas.openxmlformats.org/drawingml/2006/diagram" xmlns:c="http://schemas.openxmlformats.org/drawingml/2006/chart" xmlns:mv="urn:schemas-microsoft-com:mac:vml" xmlns:mc="http://schemas.openxmlformats.org/markup-compatibility/2006" xmlns="" r:id="rId55" roundtripDataSignature="AMtx7mhXb/mjvswv2cXH3F9M2Q0XgVQqqA=="/>
+      <go:slidesCustomData xmlns="" xmlns:mc="http://schemas.openxmlformats.org/markup-compatibility/2006" xmlns:mv="urn:schemas-microsoft-com:mac:vml" xmlns:c="http://schemas.openxmlformats.org/drawingml/2006/chart" xmlns:dgm="http://schemas.openxmlformats.org/drawingml/2006/diagram" xmlns:o="urn:schemas-microsoft-com:office:office" xmlns:v="urn:schemas-microsoft-com:vml" xmlns:pvml="urn:schemas-microsoft-com:office:powerpoint" xmlns:com="http://schemas.openxmlformats.org/drawingml/2006/compatibility" xmlns:p14="http://schemas.microsoft.com/office/powerpoint/2010/main" xmlns:p15="http://schemas.microsoft.com/office/powerpoint/2012/main" xmlns:ahyp="http://schemas.microsoft.com/office/drawing/2018/hyperlinkcolor" xmlns:go="http://customooxmlschemas.google.com/" r:id="rId55" roundtripDataSignature="AMtx7mhXb/mjvswv2cXH3F9M2Q0XgVQqqA=="/>
     </p:ext>
   </p:extLst>
 </p:presentation>
@@ -1036,7 +1035,7 @@
     </p:spTree>
     <p:extLst>
       <p:ext uri="{BB962C8B-B14F-4D97-AF65-F5344CB8AC3E}">
-        <p14:creationId xmlns:p14="http://schemas.microsoft.com/office/powerpoint/2010/main" val="4184570816"/>
+        <p14:creationId xmlns:p14="http://schemas.microsoft.com/office/powerpoint/2010/main" val="2375910377"/>
       </p:ext>
     </p:extLst>
   </p:cSld>
@@ -1047,115 +1046,6 @@
 </file>
 
 <file path=ppt/notesSlides/notesSlide11.xml><?xml version="1.0" encoding="utf-8"?>
-<p:notes xmlns:a="http://schemas.openxmlformats.org/drawingml/2006/main" xmlns:r="http://schemas.openxmlformats.org/officeDocument/2006/relationships" xmlns:p="http://schemas.openxmlformats.org/presentationml/2006/main" showMasterSp="0" showMasterPhAnim="0">
-  <p:cSld>
-    <p:spTree>
-      <p:nvGrpSpPr>
-        <p:cNvPr id="1" name="Shape 112"/>
-        <p:cNvGrpSpPr/>
-        <p:nvPr/>
-      </p:nvGrpSpPr>
-      <p:grpSpPr>
-        <a:xfrm>
-          <a:off x="0" y="0"/>
-          <a:ext cx="0" cy="0"/>
-          <a:chOff x="0" y="0"/>
-          <a:chExt cx="0" cy="0"/>
-        </a:xfrm>
-      </p:grpSpPr>
-      <p:sp>
-        <p:nvSpPr>
-          <p:cNvPr id="113" name="Google Shape;113;p4:notes"/>
-          <p:cNvSpPr txBox="1">
-            <a:spLocks noGrp="1"/>
-          </p:cNvSpPr>
-          <p:nvPr>
-            <p:ph type="body" idx="1"/>
-          </p:nvPr>
-        </p:nvSpPr>
-        <p:spPr>
-          <a:xfrm>
-            <a:off x="914400" y="4343400"/>
-            <a:ext cx="5029200" cy="4114800"/>
-          </a:xfrm>
-          <a:prstGeom prst="rect">
-            <a:avLst/>
-          </a:prstGeom>
-        </p:spPr>
-        <p:txBody>
-          <a:bodyPr spcFirstLastPara="1" wrap="square" lIns="91425" tIns="45700" rIns="91425" bIns="45700" anchor="t" anchorCtr="0">
-            <a:noAutofit/>
-          </a:bodyPr>
-          <a:lstStyle/>
-          <a:p>
-            <a:pPr marL="0" lvl="0" indent="0" algn="l" rtl="0">
-              <a:spcBef>
-                <a:spcPts val="0"/>
-              </a:spcBef>
-              <a:spcAft>
-                <a:spcPts val="0"/>
-              </a:spcAft>
-              <a:buNone/>
-            </a:pPr>
-            <a:endParaRPr/>
-          </a:p>
-        </p:txBody>
-      </p:sp>
-      <p:sp>
-        <p:nvSpPr>
-          <p:cNvPr id="114" name="Google Shape;114;p4:notes"/>
-          <p:cNvSpPr>
-            <a:spLocks noGrp="1" noRot="1" noChangeAspect="1"/>
-          </p:cNvSpPr>
-          <p:nvPr>
-            <p:ph type="sldImg" idx="2"/>
-          </p:nvPr>
-        </p:nvSpPr>
-        <p:spPr>
-          <a:xfrm>
-            <a:off x="381000" y="685800"/>
-            <a:ext cx="6096000" cy="3429000"/>
-          </a:xfrm>
-          <a:custGeom>
-            <a:avLst/>
-            <a:gdLst/>
-            <a:ahLst/>
-            <a:cxnLst/>
-            <a:rect l="l" t="t" r="r" b="b"/>
-            <a:pathLst>
-              <a:path w="120000" h="120000" extrusionOk="0">
-                <a:moveTo>
-                  <a:pt x="0" y="0"/>
-                </a:moveTo>
-                <a:lnTo>
-                  <a:pt x="120000" y="0"/>
-                </a:lnTo>
-                <a:lnTo>
-                  <a:pt x="120000" y="120000"/>
-                </a:lnTo>
-                <a:lnTo>
-                  <a:pt x="0" y="120000"/>
-                </a:lnTo>
-                <a:close/>
-              </a:path>
-            </a:pathLst>
-          </a:custGeom>
-        </p:spPr>
-      </p:sp>
-    </p:spTree>
-    <p:extLst>
-      <p:ext uri="{BB962C8B-B14F-4D97-AF65-F5344CB8AC3E}">
-        <p14:creationId xmlns:p14="http://schemas.microsoft.com/office/powerpoint/2010/main" val="2375910377"/>
-      </p:ext>
-    </p:extLst>
-  </p:cSld>
-  <p:clrMapOvr>
-    <a:masterClrMapping/>
-  </p:clrMapOvr>
-</p:notes>
-</file>
-
-<file path=ppt/notesSlides/notesSlide12.xml><?xml version="1.0" encoding="utf-8"?>
 <p:notes xmlns:a="http://schemas.openxmlformats.org/drawingml/2006/main" xmlns:r="http://schemas.openxmlformats.org/officeDocument/2006/relationships" xmlns:p="http://schemas.openxmlformats.org/presentationml/2006/main" showMasterSp="0" showMasterPhAnim="0">
   <p:cSld>
     <p:spTree>
@@ -1264,7 +1154,7 @@
 </p:notes>
 </file>
 
-<file path=ppt/notesSlides/notesSlide13.xml><?xml version="1.0" encoding="utf-8"?>
+<file path=ppt/notesSlides/notesSlide12.xml><?xml version="1.0" encoding="utf-8"?>
 <p:notes xmlns:a="http://schemas.openxmlformats.org/drawingml/2006/main" xmlns:r="http://schemas.openxmlformats.org/officeDocument/2006/relationships" xmlns:p="http://schemas.openxmlformats.org/presentationml/2006/main" showMasterSp="0" showMasterPhAnim="0">
   <p:cSld>
     <p:spTree>
@@ -1373,7 +1263,7 @@
 </p:notes>
 </file>
 
-<file path=ppt/notesSlides/notesSlide14.xml><?xml version="1.0" encoding="utf-8"?>
+<file path=ppt/notesSlides/notesSlide13.xml><?xml version="1.0" encoding="utf-8"?>
 <p:notes xmlns:a="http://schemas.openxmlformats.org/drawingml/2006/main" xmlns:r="http://schemas.openxmlformats.org/officeDocument/2006/relationships" xmlns:p="http://schemas.openxmlformats.org/presentationml/2006/main" showMasterSp="0" showMasterPhAnim="0">
   <p:cSld>
     <p:spTree>
@@ -1482,7 +1372,7 @@
 </p:notes>
 </file>
 
-<file path=ppt/notesSlides/notesSlide15.xml><?xml version="1.0" encoding="utf-8"?>
+<file path=ppt/notesSlides/notesSlide14.xml><?xml version="1.0" encoding="utf-8"?>
 <p:notes xmlns:a="http://schemas.openxmlformats.org/drawingml/2006/main" xmlns:r="http://schemas.openxmlformats.org/officeDocument/2006/relationships" xmlns:p="http://schemas.openxmlformats.org/presentationml/2006/main" showMasterSp="0" showMasterPhAnim="0">
   <p:cSld>
     <p:spTree>
@@ -1591,7 +1481,7 @@
 </p:notes>
 </file>
 
-<file path=ppt/notesSlides/notesSlide16.xml><?xml version="1.0" encoding="utf-8"?>
+<file path=ppt/notesSlides/notesSlide15.xml><?xml version="1.0" encoding="utf-8"?>
 <p:notes xmlns:a="http://schemas.openxmlformats.org/drawingml/2006/main" xmlns:r="http://schemas.openxmlformats.org/officeDocument/2006/relationships" xmlns:p="http://schemas.openxmlformats.org/presentationml/2006/main" showMasterSp="0" showMasterPhAnim="0">
   <p:cSld>
     <p:spTree>
@@ -1700,7 +1590,7 @@
 </p:notes>
 </file>
 
-<file path=ppt/notesSlides/notesSlide17.xml><?xml version="1.0" encoding="utf-8"?>
+<file path=ppt/notesSlides/notesSlide16.xml><?xml version="1.0" encoding="utf-8"?>
 <p:notes xmlns:a="http://schemas.openxmlformats.org/drawingml/2006/main" xmlns:r="http://schemas.openxmlformats.org/officeDocument/2006/relationships" xmlns:p="http://schemas.openxmlformats.org/presentationml/2006/main" showMasterSp="0" showMasterPhAnim="0">
   <p:cSld>
     <p:spTree>
@@ -2339,7 +2229,7 @@
     </p:spTree>
     <p:extLst>
       <p:ext uri="{BB962C8B-B14F-4D97-AF65-F5344CB8AC3E}">
-        <p14:creationId xmlns:p14="http://schemas.microsoft.com/office/powerpoint/2010/main" val="1776538062"/>
+        <p14:creationId xmlns:p14="http://schemas.microsoft.com/office/powerpoint/2010/main" val="1710894943"/>
       </p:ext>
     </p:extLst>
   </p:cSld>
@@ -2350,115 +2240,6 @@
 </file>
 
 <file path=ppt/notesSlides/notesSlide7.xml><?xml version="1.0" encoding="utf-8"?>
-<p:notes xmlns:a="http://schemas.openxmlformats.org/drawingml/2006/main" xmlns:r="http://schemas.openxmlformats.org/officeDocument/2006/relationships" xmlns:p="http://schemas.openxmlformats.org/presentationml/2006/main" showMasterSp="0" showMasterPhAnim="0">
-  <p:cSld>
-    <p:spTree>
-      <p:nvGrpSpPr>
-        <p:cNvPr id="1" name="Shape 112"/>
-        <p:cNvGrpSpPr/>
-        <p:nvPr/>
-      </p:nvGrpSpPr>
-      <p:grpSpPr>
-        <a:xfrm>
-          <a:off x="0" y="0"/>
-          <a:ext cx="0" cy="0"/>
-          <a:chOff x="0" y="0"/>
-          <a:chExt cx="0" cy="0"/>
-        </a:xfrm>
-      </p:grpSpPr>
-      <p:sp>
-        <p:nvSpPr>
-          <p:cNvPr id="113" name="Google Shape;113;p4:notes"/>
-          <p:cNvSpPr txBox="1">
-            <a:spLocks noGrp="1"/>
-          </p:cNvSpPr>
-          <p:nvPr>
-            <p:ph type="body" idx="1"/>
-          </p:nvPr>
-        </p:nvSpPr>
-        <p:spPr>
-          <a:xfrm>
-            <a:off x="914400" y="4343400"/>
-            <a:ext cx="5029200" cy="4114800"/>
-          </a:xfrm>
-          <a:prstGeom prst="rect">
-            <a:avLst/>
-          </a:prstGeom>
-        </p:spPr>
-        <p:txBody>
-          <a:bodyPr spcFirstLastPara="1" wrap="square" lIns="91425" tIns="45700" rIns="91425" bIns="45700" anchor="t" anchorCtr="0">
-            <a:noAutofit/>
-          </a:bodyPr>
-          <a:lstStyle/>
-          <a:p>
-            <a:pPr marL="0" lvl="0" indent="0" algn="l" rtl="0">
-              <a:spcBef>
-                <a:spcPts val="0"/>
-              </a:spcBef>
-              <a:spcAft>
-                <a:spcPts val="0"/>
-              </a:spcAft>
-              <a:buNone/>
-            </a:pPr>
-            <a:endParaRPr/>
-          </a:p>
-        </p:txBody>
-      </p:sp>
-      <p:sp>
-        <p:nvSpPr>
-          <p:cNvPr id="114" name="Google Shape;114;p4:notes"/>
-          <p:cNvSpPr>
-            <a:spLocks noGrp="1" noRot="1" noChangeAspect="1"/>
-          </p:cNvSpPr>
-          <p:nvPr>
-            <p:ph type="sldImg" idx="2"/>
-          </p:nvPr>
-        </p:nvSpPr>
-        <p:spPr>
-          <a:xfrm>
-            <a:off x="381000" y="685800"/>
-            <a:ext cx="6096000" cy="3429000"/>
-          </a:xfrm>
-          <a:custGeom>
-            <a:avLst/>
-            <a:gdLst/>
-            <a:ahLst/>
-            <a:cxnLst/>
-            <a:rect l="l" t="t" r="r" b="b"/>
-            <a:pathLst>
-              <a:path w="120000" h="120000" extrusionOk="0">
-                <a:moveTo>
-                  <a:pt x="0" y="0"/>
-                </a:moveTo>
-                <a:lnTo>
-                  <a:pt x="120000" y="0"/>
-                </a:lnTo>
-                <a:lnTo>
-                  <a:pt x="120000" y="120000"/>
-                </a:lnTo>
-                <a:lnTo>
-                  <a:pt x="0" y="120000"/>
-                </a:lnTo>
-                <a:close/>
-              </a:path>
-            </a:pathLst>
-          </a:custGeom>
-        </p:spPr>
-      </p:sp>
-    </p:spTree>
-    <p:extLst>
-      <p:ext uri="{BB962C8B-B14F-4D97-AF65-F5344CB8AC3E}">
-        <p14:creationId xmlns:p14="http://schemas.microsoft.com/office/powerpoint/2010/main" val="1710894943"/>
-      </p:ext>
-    </p:extLst>
-  </p:cSld>
-  <p:clrMapOvr>
-    <a:masterClrMapping/>
-  </p:clrMapOvr>
-</p:notes>
-</file>
-
-<file path=ppt/notesSlides/notesSlide8.xml><?xml version="1.0" encoding="utf-8"?>
 <p:notes xmlns:a="http://schemas.openxmlformats.org/drawingml/2006/main" xmlns:r="http://schemas.openxmlformats.org/officeDocument/2006/relationships" xmlns:p="http://schemas.openxmlformats.org/presentationml/2006/main" showMasterSp="0" showMasterPhAnim="0">
   <p:cSld>
     <p:spTree>
@@ -2567,7 +2348,7 @@
 </p:notes>
 </file>
 
-<file path=ppt/notesSlides/notesSlide9.xml><?xml version="1.0" encoding="utf-8"?>
+<file path=ppt/notesSlides/notesSlide8.xml><?xml version="1.0" encoding="utf-8"?>
 <p:notes xmlns:a="http://schemas.openxmlformats.org/drawingml/2006/main" xmlns:r="http://schemas.openxmlformats.org/officeDocument/2006/relationships" xmlns:p="http://schemas.openxmlformats.org/presentationml/2006/main" showMasterSp="0" showMasterPhAnim="0">
   <p:cSld>
     <p:spTree>
@@ -2667,6 +2448,115 @@
     <p:extLst>
       <p:ext uri="{BB962C8B-B14F-4D97-AF65-F5344CB8AC3E}">
         <p14:creationId xmlns:p14="http://schemas.microsoft.com/office/powerpoint/2010/main" val="408538475"/>
+      </p:ext>
+    </p:extLst>
+  </p:cSld>
+  <p:clrMapOvr>
+    <a:masterClrMapping/>
+  </p:clrMapOvr>
+</p:notes>
+</file>
+
+<file path=ppt/notesSlides/notesSlide9.xml><?xml version="1.0" encoding="utf-8"?>
+<p:notes xmlns:a="http://schemas.openxmlformats.org/drawingml/2006/main" xmlns:r="http://schemas.openxmlformats.org/officeDocument/2006/relationships" xmlns:p="http://schemas.openxmlformats.org/presentationml/2006/main" showMasterSp="0" showMasterPhAnim="0">
+  <p:cSld>
+    <p:spTree>
+      <p:nvGrpSpPr>
+        <p:cNvPr id="1" name="Shape 112"/>
+        <p:cNvGrpSpPr/>
+        <p:nvPr/>
+      </p:nvGrpSpPr>
+      <p:grpSpPr>
+        <a:xfrm>
+          <a:off x="0" y="0"/>
+          <a:ext cx="0" cy="0"/>
+          <a:chOff x="0" y="0"/>
+          <a:chExt cx="0" cy="0"/>
+        </a:xfrm>
+      </p:grpSpPr>
+      <p:sp>
+        <p:nvSpPr>
+          <p:cNvPr id="113" name="Google Shape;113;p4:notes"/>
+          <p:cNvSpPr txBox="1">
+            <a:spLocks noGrp="1"/>
+          </p:cNvSpPr>
+          <p:nvPr>
+            <p:ph type="body" idx="1"/>
+          </p:nvPr>
+        </p:nvSpPr>
+        <p:spPr>
+          <a:xfrm>
+            <a:off x="914400" y="4343400"/>
+            <a:ext cx="5029200" cy="4114800"/>
+          </a:xfrm>
+          <a:prstGeom prst="rect">
+            <a:avLst/>
+          </a:prstGeom>
+        </p:spPr>
+        <p:txBody>
+          <a:bodyPr spcFirstLastPara="1" wrap="square" lIns="91425" tIns="45700" rIns="91425" bIns="45700" anchor="t" anchorCtr="0">
+            <a:noAutofit/>
+          </a:bodyPr>
+          <a:lstStyle/>
+          <a:p>
+            <a:pPr marL="0" lvl="0" indent="0" algn="l" rtl="0">
+              <a:spcBef>
+                <a:spcPts val="0"/>
+              </a:spcBef>
+              <a:spcAft>
+                <a:spcPts val="0"/>
+              </a:spcAft>
+              <a:buNone/>
+            </a:pPr>
+            <a:endParaRPr/>
+          </a:p>
+        </p:txBody>
+      </p:sp>
+      <p:sp>
+        <p:nvSpPr>
+          <p:cNvPr id="114" name="Google Shape;114;p4:notes"/>
+          <p:cNvSpPr>
+            <a:spLocks noGrp="1" noRot="1" noChangeAspect="1"/>
+          </p:cNvSpPr>
+          <p:nvPr>
+            <p:ph type="sldImg" idx="2"/>
+          </p:nvPr>
+        </p:nvSpPr>
+        <p:spPr>
+          <a:xfrm>
+            <a:off x="381000" y="685800"/>
+            <a:ext cx="6096000" cy="3429000"/>
+          </a:xfrm>
+          <a:custGeom>
+            <a:avLst/>
+            <a:gdLst/>
+            <a:ahLst/>
+            <a:cxnLst/>
+            <a:rect l="l" t="t" r="r" b="b"/>
+            <a:pathLst>
+              <a:path w="120000" h="120000" extrusionOk="0">
+                <a:moveTo>
+                  <a:pt x="0" y="0"/>
+                </a:moveTo>
+                <a:lnTo>
+                  <a:pt x="120000" y="0"/>
+                </a:lnTo>
+                <a:lnTo>
+                  <a:pt x="120000" y="120000"/>
+                </a:lnTo>
+                <a:lnTo>
+                  <a:pt x="0" y="120000"/>
+                </a:lnTo>
+                <a:close/>
+              </a:path>
+            </a:pathLst>
+          </a:custGeom>
+        </p:spPr>
+      </p:sp>
+    </p:spTree>
+    <p:extLst>
+      <p:ext uri="{BB962C8B-B14F-4D97-AF65-F5344CB8AC3E}">
+        <p14:creationId xmlns:p14="http://schemas.microsoft.com/office/powerpoint/2010/main" val="4184570816"/>
       </p:ext>
     </p:extLst>
   </p:cSld>
@@ -4994,7 +4884,7 @@
         <p:spPr>
           <a:xfrm>
             <a:off x="1326011" y="9983707"/>
-            <a:ext cx="11381642" cy="1323439"/>
+            <a:ext cx="14345594" cy="1323439"/>
           </a:xfrm>
           <a:prstGeom prst="rect">
             <a:avLst/>
@@ -5047,12 +4937,20 @@
               <a:t>– </a:t>
             </a:r>
             <a:r>
-              <a:rPr lang="ru-RU" sz="4000" dirty="0" err="1">
+              <a:rPr lang="ru-RU" sz="4000" dirty="0" err="1" smtClean="0">
                 <a:latin typeface="Open Sans" pitchFamily="2" charset="0"/>
                 <a:ea typeface="Open Sans" pitchFamily="2" charset="0"/>
                 <a:cs typeface="Open Sans" pitchFamily="2" charset="0"/>
               </a:rPr>
               <a:t>ПИо</a:t>
+            </a:r>
+            <a:r>
+              <a:rPr lang="ru-RU" sz="4000" dirty="0" smtClean="0">
+                <a:latin typeface="Open Sans" pitchFamily="2" charset="0"/>
+                <a:ea typeface="Open Sans" pitchFamily="2" charset="0"/>
+                <a:cs typeface="Open Sans" pitchFamily="2" charset="0"/>
+              </a:rPr>
+              <a:t> </a:t>
             </a:r>
             <a:r>
               <a:rPr lang="ru-RU" sz="4000" dirty="0">
@@ -5060,7 +4958,15 @@
                 <a:ea typeface="Open Sans" pitchFamily="2" charset="0"/>
                 <a:cs typeface="Open Sans" pitchFamily="2" charset="0"/>
               </a:rPr>
-              <a:t> гр. Гончаров И.В. </a:t>
+              <a:t>Гончаров </a:t>
+            </a:r>
+            <a:r>
+              <a:rPr lang="ru-RU" sz="4000" dirty="0" smtClean="0">
+                <a:latin typeface="Open Sans" pitchFamily="2" charset="0"/>
+                <a:ea typeface="Open Sans" pitchFamily="2" charset="0"/>
+                <a:cs typeface="Open Sans" pitchFamily="2" charset="0"/>
+              </a:rPr>
+              <a:t>Игорь Валерьевич </a:t>
             </a:r>
             <a:endParaRPr lang="ru-RU" sz="4000" dirty="0" smtClean="0">
               <a:latin typeface="Open Sans" pitchFamily="2" charset="0"/>
@@ -5099,8 +5005,37 @@
                 <a:ea typeface="Open Sans" pitchFamily="2" charset="0"/>
                 <a:cs typeface="Open Sans" pitchFamily="2" charset="0"/>
               </a:rPr>
-              <a:t> Н.Н. </a:t>
-            </a:r>
+              <a:t> </a:t>
+            </a:r>
+            <a:r>
+              <a:rPr lang="ru-RU" sz="4000" dirty="0" smtClean="0">
+                <a:latin typeface="Open Sans" pitchFamily="2" charset="0"/>
+                <a:ea typeface="Open Sans" pitchFamily="2" charset="0"/>
+                <a:cs typeface="Open Sans" pitchFamily="2" charset="0"/>
+              </a:rPr>
+              <a:t>Надежда Н</a:t>
+            </a:r>
+            <a:r>
+              <a:rPr lang="ru-RU" sz="4000" dirty="0" smtClean="0">
+                <a:latin typeface="Open Sans" pitchFamily="2" charset="0"/>
+                <a:ea typeface="Open Sans" pitchFamily="2" charset="0"/>
+                <a:cs typeface="Open Sans" pitchFamily="2" charset="0"/>
+              </a:rPr>
+              <a:t>иколаевна</a:t>
+            </a:r>
+            <a:r>
+              <a:rPr lang="ru-RU" sz="4000" dirty="0" smtClean="0">
+                <a:latin typeface="Open Sans" pitchFamily="2" charset="0"/>
+                <a:ea typeface="Open Sans" pitchFamily="2" charset="0"/>
+                <a:cs typeface="Open Sans" pitchFamily="2" charset="0"/>
+              </a:rPr>
+              <a:t> </a:t>
+            </a:r>
+            <a:endParaRPr lang="ru-RU" sz="4000" dirty="0">
+              <a:latin typeface="Open Sans" pitchFamily="2" charset="0"/>
+              <a:ea typeface="Open Sans" pitchFamily="2" charset="0"/>
+              <a:cs typeface="Open Sans" pitchFamily="2" charset="0"/>
+            </a:endParaRPr>
           </a:p>
         </p:txBody>
       </p:sp>
@@ -5120,381 +5055,6 @@
 </file>
 
 <file path=ppt/slides/slide10.xml><?xml version="1.0" encoding="utf-8"?>
-<p:sld xmlns:a="http://schemas.openxmlformats.org/drawingml/2006/main" xmlns:r="http://schemas.openxmlformats.org/officeDocument/2006/relationships" xmlns:p="http://schemas.openxmlformats.org/presentationml/2006/main">
-  <p:cSld>
-    <p:spTree>
-      <p:nvGrpSpPr>
-        <p:cNvPr id="1" name="Shape 115"/>
-        <p:cNvGrpSpPr/>
-        <p:nvPr/>
-      </p:nvGrpSpPr>
-      <p:grpSpPr>
-        <a:xfrm>
-          <a:off x="0" y="0"/>
-          <a:ext cx="0" cy="0"/>
-          <a:chOff x="0" y="0"/>
-          <a:chExt cx="0" cy="0"/>
-        </a:xfrm>
-      </p:grpSpPr>
-      <p:sp>
-        <p:nvSpPr>
-          <p:cNvPr id="116" name="Google Shape;116;p4"/>
-          <p:cNvSpPr txBox="1"/>
-          <p:nvPr/>
-        </p:nvSpPr>
-        <p:spPr>
-          <a:xfrm>
-            <a:off x="1265129" y="822877"/>
-            <a:ext cx="12024987" cy="1444336"/>
-          </a:xfrm>
-          <a:prstGeom prst="rect">
-            <a:avLst/>
-          </a:prstGeom>
-          <a:noFill/>
-          <a:ln>
-            <a:noFill/>
-          </a:ln>
-        </p:spPr>
-        <p:txBody>
-          <a:bodyPr spcFirstLastPara="1" wrap="square" lIns="38100" tIns="38100" rIns="38100" bIns="38100" anchor="t" anchorCtr="0">
-            <a:noAutofit/>
-          </a:bodyPr>
-          <a:lstStyle/>
-          <a:p>
-            <a:pPr marL="0" marR="0" lvl="0" indent="0" algn="l" rtl="0">
-              <a:spcBef>
-                <a:spcPts val="0"/>
-              </a:spcBef>
-              <a:spcAft>
-                <a:spcPts val="0"/>
-              </a:spcAft>
-              <a:buNone/>
-            </a:pPr>
-            <a:r>
-              <a:rPr lang="ru-RU" sz="10000" b="1" dirty="0" smtClean="0">
-                <a:solidFill>
-                  <a:srgbClr val="1F1F1F"/>
-                </a:solidFill>
-                <a:latin typeface="Montserrat"/>
-                <a:ea typeface="Montserrat"/>
-                <a:cs typeface="Montserrat"/>
-                <a:sym typeface="Montserrat"/>
-              </a:rPr>
-              <a:t>НАБОР ДАННЫХ</a:t>
-            </a:r>
-            <a:endParaRPr sz="10000" b="1" i="0" u="none" strike="noStrike" cap="none" dirty="0">
-              <a:solidFill>
-                <a:schemeClr val="accent2"/>
-              </a:solidFill>
-              <a:latin typeface="Montserrat"/>
-              <a:ea typeface="Montserrat"/>
-              <a:cs typeface="Montserrat"/>
-              <a:sym typeface="Montserrat"/>
-            </a:endParaRPr>
-          </a:p>
-        </p:txBody>
-      </p:sp>
-      <p:sp>
-        <p:nvSpPr>
-          <p:cNvPr id="11" name="Овал 10"/>
-          <p:cNvSpPr/>
-          <p:nvPr/>
-        </p:nvSpPr>
-        <p:spPr>
-          <a:xfrm>
-            <a:off x="1590805" y="11849622"/>
-            <a:ext cx="2404998" cy="1240077"/>
-          </a:xfrm>
-          <a:prstGeom prst="ellipse">
-            <a:avLst/>
-          </a:prstGeom>
-          <a:solidFill>
-            <a:srgbClr val="FFFFFF"/>
-          </a:solidFill>
-          <a:ln>
-            <a:solidFill>
-              <a:srgbClr val="FFFFFF"/>
-            </a:solidFill>
-          </a:ln>
-        </p:spPr>
-        <p:style>
-          <a:lnRef idx="2">
-            <a:schemeClr val="accent1">
-              <a:shade val="50000"/>
-            </a:schemeClr>
-          </a:lnRef>
-          <a:fillRef idx="1">
-            <a:schemeClr val="accent1"/>
-          </a:fillRef>
-          <a:effectRef idx="0">
-            <a:schemeClr val="accent1"/>
-          </a:effectRef>
-          <a:fontRef idx="minor">
-            <a:schemeClr val="lt1"/>
-          </a:fontRef>
-        </p:style>
-        <p:txBody>
-          <a:bodyPr rtlCol="0" anchor="ctr"/>
-          <a:lstStyle/>
-          <a:p>
-            <a:pPr algn="ctr"/>
-            <a:endParaRPr lang="ru-RU"/>
-          </a:p>
-        </p:txBody>
-      </p:sp>
-      <p:pic>
-        <p:nvPicPr>
-          <p:cNvPr id="6" name="Рисунок 5"/>
-          <p:cNvPicPr/>
-          <p:nvPr/>
-        </p:nvPicPr>
-        <p:blipFill>
-          <a:blip r:embed="rId3"/>
-          <a:stretch>
-            <a:fillRect/>
-          </a:stretch>
-        </p:blipFill>
-        <p:spPr>
-          <a:xfrm>
-            <a:off x="12114333" y="2740524"/>
-            <a:ext cx="11973218" cy="9848132"/>
-          </a:xfrm>
-          <a:prstGeom prst="rect">
-            <a:avLst/>
-          </a:prstGeom>
-        </p:spPr>
-      </p:pic>
-      <p:sp>
-        <p:nvSpPr>
-          <p:cNvPr id="9" name="Google Shape;117;p4"/>
-          <p:cNvSpPr/>
-          <p:nvPr/>
-        </p:nvSpPr>
-        <p:spPr>
-          <a:xfrm>
-            <a:off x="1265129" y="4890513"/>
-            <a:ext cx="10233767" cy="5909270"/>
-          </a:xfrm>
-          <a:prstGeom prst="rect">
-            <a:avLst/>
-          </a:prstGeom>
-          <a:noFill/>
-          <a:ln>
-            <a:noFill/>
-          </a:ln>
-        </p:spPr>
-        <p:txBody>
-          <a:bodyPr spcFirstLastPara="1" wrap="square" lIns="91425" tIns="45700" rIns="91425" bIns="45700" anchor="t" anchorCtr="0">
-            <a:spAutoFit/>
-          </a:bodyPr>
-          <a:lstStyle/>
-          <a:p>
-            <a:pPr lvl="0" algn="just">
-              <a:lnSpc>
-                <a:spcPct val="150000"/>
-              </a:lnSpc>
-            </a:pPr>
-            <a:r>
-              <a:rPr lang="ru-RU" sz="3600" dirty="0" smtClean="0">
-                <a:solidFill>
-                  <a:srgbClr val="292829"/>
-                </a:solidFill>
-                <a:latin typeface="Open Sans"/>
-                <a:ea typeface="Open Sans"/>
-                <a:cs typeface="Open Sans"/>
-                <a:sym typeface="Open Sans"/>
-              </a:rPr>
-              <a:t>Данные </a:t>
-            </a:r>
-            <a:r>
-              <a:rPr lang="ru-RU" sz="3600" dirty="0">
-                <a:solidFill>
-                  <a:srgbClr val="292829"/>
-                </a:solidFill>
-                <a:latin typeface="Open Sans"/>
-                <a:ea typeface="Open Sans"/>
-                <a:cs typeface="Open Sans"/>
-                <a:sym typeface="Open Sans"/>
-              </a:rPr>
-              <a:t>в наборе </a:t>
-            </a:r>
-            <a:r>
-              <a:rPr lang="ru-RU" sz="3600" b="1" dirty="0" err="1">
-                <a:solidFill>
-                  <a:srgbClr val="292829"/>
-                </a:solidFill>
-                <a:latin typeface="Open Sans"/>
-                <a:ea typeface="Open Sans"/>
-                <a:cs typeface="Open Sans"/>
-                <a:sym typeface="Open Sans"/>
-              </a:rPr>
-              <a:t>несбалансированны</a:t>
-            </a:r>
-            <a:r>
-              <a:rPr lang="ru-RU" sz="3600" dirty="0">
-                <a:solidFill>
-                  <a:srgbClr val="292829"/>
-                </a:solidFill>
-                <a:latin typeface="Open Sans"/>
-                <a:ea typeface="Open Sans"/>
-                <a:cs typeface="Open Sans"/>
-                <a:sym typeface="Open Sans"/>
-              </a:rPr>
-              <a:t>, нужно использовать метод увеличения недостающих данных. </a:t>
-            </a:r>
-            <a:r>
-              <a:rPr lang="ru-RU" sz="3600" dirty="0" smtClean="0">
-                <a:solidFill>
-                  <a:srgbClr val="292829"/>
-                </a:solidFill>
-                <a:latin typeface="Open Sans"/>
-                <a:ea typeface="Open Sans"/>
-                <a:cs typeface="Open Sans"/>
-                <a:sym typeface="Open Sans"/>
-              </a:rPr>
-              <a:t>В </a:t>
-            </a:r>
-            <a:r>
-              <a:rPr lang="ru-RU" sz="3600" dirty="0">
-                <a:solidFill>
-                  <a:srgbClr val="292829"/>
-                </a:solidFill>
-                <a:latin typeface="Open Sans"/>
-                <a:ea typeface="Open Sans"/>
-                <a:cs typeface="Open Sans"/>
-                <a:sym typeface="Open Sans"/>
-              </a:rPr>
-              <a:t>качестве методов увеличения были выбраны горизонтальный </a:t>
-            </a:r>
-            <a:r>
-              <a:rPr lang="ru-RU" sz="3600" dirty="0" smtClean="0">
-                <a:solidFill>
-                  <a:srgbClr val="292829"/>
-                </a:solidFill>
-                <a:latin typeface="Open Sans"/>
-                <a:ea typeface="Open Sans"/>
-                <a:cs typeface="Open Sans"/>
-                <a:sym typeface="Open Sans"/>
-              </a:rPr>
-              <a:t>переворот, </a:t>
-            </a:r>
-            <a:r>
-              <a:rPr lang="ru-RU" sz="3600" dirty="0">
-                <a:solidFill>
-                  <a:srgbClr val="292829"/>
-                </a:solidFill>
-                <a:latin typeface="Open Sans"/>
-                <a:ea typeface="Open Sans"/>
-                <a:cs typeface="Open Sans"/>
-                <a:sym typeface="Open Sans"/>
-              </a:rPr>
-              <a:t>поворот на 20 градусов </a:t>
-            </a:r>
-            <a:r>
-              <a:rPr lang="ru-RU" sz="3600" dirty="0" smtClean="0">
-                <a:solidFill>
-                  <a:srgbClr val="292829"/>
-                </a:solidFill>
-                <a:latin typeface="Open Sans"/>
-                <a:ea typeface="Open Sans"/>
-                <a:cs typeface="Open Sans"/>
-                <a:sym typeface="Open Sans"/>
-              </a:rPr>
-              <a:t>и </a:t>
-            </a:r>
-            <a:r>
-              <a:rPr lang="ru-RU" sz="3600" dirty="0">
-                <a:solidFill>
-                  <a:srgbClr val="292829"/>
-                </a:solidFill>
-                <a:latin typeface="Open Sans"/>
-                <a:ea typeface="Open Sans"/>
-                <a:cs typeface="Open Sans"/>
-                <a:sym typeface="Open Sans"/>
-              </a:rPr>
-              <a:t>случайное изменение </a:t>
-            </a:r>
-            <a:r>
-              <a:rPr lang="ru-RU" sz="3600" dirty="0" smtClean="0">
-                <a:solidFill>
-                  <a:srgbClr val="292829"/>
-                </a:solidFill>
-                <a:latin typeface="Open Sans"/>
-                <a:ea typeface="Open Sans"/>
-                <a:cs typeface="Open Sans"/>
-                <a:sym typeface="Open Sans"/>
-              </a:rPr>
-              <a:t>яркости</a:t>
-            </a:r>
-            <a:r>
-              <a:rPr lang="ru-RU" sz="3600" dirty="0">
-                <a:solidFill>
-                  <a:srgbClr val="292829"/>
-                </a:solidFill>
-                <a:latin typeface="Open Sans"/>
-                <a:ea typeface="Open Sans"/>
-                <a:cs typeface="Open Sans"/>
-                <a:sym typeface="Open Sans"/>
-              </a:rPr>
-              <a:t>. (библиотека </a:t>
-            </a:r>
-            <a:r>
-              <a:rPr lang="en-US" sz="3600" i="1" dirty="0" err="1">
-                <a:solidFill>
-                  <a:srgbClr val="292829"/>
-                </a:solidFill>
-                <a:latin typeface="Open Sans"/>
-                <a:ea typeface="Open Sans"/>
-                <a:cs typeface="Open Sans"/>
-                <a:sym typeface="Open Sans"/>
-              </a:rPr>
-              <a:t>Imgaug</a:t>
-            </a:r>
-            <a:r>
-              <a:rPr lang="ru-RU" sz="3600" dirty="0" smtClean="0">
-                <a:solidFill>
-                  <a:srgbClr val="292829"/>
-                </a:solidFill>
-                <a:latin typeface="Open Sans"/>
-                <a:ea typeface="Open Sans"/>
-                <a:cs typeface="Open Sans"/>
-                <a:sym typeface="Open Sans"/>
-              </a:rPr>
-              <a:t>)</a:t>
-            </a:r>
-            <a:endParaRPr lang="ru-RU" sz="3600" dirty="0">
-              <a:solidFill>
-                <a:srgbClr val="292829"/>
-              </a:solidFill>
-              <a:latin typeface="Open Sans"/>
-              <a:ea typeface="Open Sans"/>
-              <a:cs typeface="Open Sans"/>
-              <a:sym typeface="Open Sans"/>
-            </a:endParaRPr>
-          </a:p>
-        </p:txBody>
-      </p:sp>
-    </p:spTree>
-    <p:extLst>
-      <p:ext uri="{BB962C8B-B14F-4D97-AF65-F5344CB8AC3E}">
-        <p14:creationId xmlns:p14="http://schemas.microsoft.com/office/powerpoint/2010/main" val="180218851"/>
-      </p:ext>
-    </p:extLst>
-  </p:cSld>
-  <p:clrMapOvr>
-    <a:masterClrMapping/>
-  </p:clrMapOvr>
-  <p:timing>
-    <p:tnLst>
-      <p:par>
-        <p:cTn id="1" dur="indefinite" restart="never" nodeType="tmRoot"/>
-      </p:par>
-    </p:tnLst>
-  </p:timing>
-</p:sld>
-</file>
-
-<file path=ppt/slides/slide11.xml><?xml version="1.0" encoding="utf-8"?>
 <p:sld xmlns:a="http://schemas.openxmlformats.org/drawingml/2006/main" xmlns:r="http://schemas.openxmlformats.org/officeDocument/2006/relationships" xmlns:p="http://schemas.openxmlformats.org/presentationml/2006/main">
   <p:cSld>
     <p:spTree>
@@ -5681,7 +5241,7 @@
 </p:sld>
 </file>
 
-<file path=ppt/slides/slide12.xml><?xml version="1.0" encoding="utf-8"?>
+<file path=ppt/slides/slide11.xml><?xml version="1.0" encoding="utf-8"?>
 <p:sld xmlns:a="http://schemas.openxmlformats.org/drawingml/2006/main" xmlns:r="http://schemas.openxmlformats.org/officeDocument/2006/relationships" xmlns:p="http://schemas.openxmlformats.org/presentationml/2006/main">
   <p:cSld>
     <p:spTree>
@@ -5865,7 +5425,7 @@
 </p:sld>
 </file>
 
-<file path=ppt/slides/slide13.xml><?xml version="1.0" encoding="utf-8"?>
+<file path=ppt/slides/slide12.xml><?xml version="1.0" encoding="utf-8"?>
 <p:sld xmlns:a="http://schemas.openxmlformats.org/drawingml/2006/main" xmlns:r="http://schemas.openxmlformats.org/officeDocument/2006/relationships" xmlns:p="http://schemas.openxmlformats.org/presentationml/2006/main">
   <p:cSld>
     <p:spTree>
@@ -5997,7 +5557,7 @@
         <p:spPr>
           <a:xfrm>
             <a:off x="1590805" y="2097465"/>
-            <a:ext cx="13164856" cy="11079916"/>
+            <a:ext cx="13503058" cy="11172249"/>
           </a:xfrm>
           <a:prstGeom prst="rect">
             <a:avLst/>
@@ -6019,127 +5579,67 @@
               </a:lnSpc>
             </a:pPr>
             <a:r>
-              <a:rPr lang="ru-RU" sz="2800" dirty="0">
-                <a:solidFill>
-                  <a:srgbClr val="292829"/>
-                </a:solidFill>
-                <a:latin typeface="Open Sans"/>
-                <a:ea typeface="Open Sans"/>
-                <a:cs typeface="Open Sans"/>
-                <a:sym typeface="Open Sans"/>
-              </a:rPr>
-              <a:t>В</a:t>
-            </a:r>
-            <a:r>
-              <a:rPr lang="ru-RU" sz="2800" dirty="0" smtClean="0">
-                <a:solidFill>
-                  <a:srgbClr val="292829"/>
-                </a:solidFill>
-                <a:latin typeface="Open Sans"/>
-                <a:ea typeface="Open Sans"/>
-                <a:cs typeface="Open Sans"/>
-                <a:sym typeface="Open Sans"/>
-              </a:rPr>
-              <a:t> </a:t>
-            </a:r>
-            <a:r>
-              <a:rPr lang="ru-RU" sz="2800" dirty="0" err="1">
-                <a:solidFill>
-                  <a:srgbClr val="292829"/>
-                </a:solidFill>
-                <a:latin typeface="Open Sans"/>
-                <a:ea typeface="Open Sans"/>
-                <a:cs typeface="Open Sans"/>
-                <a:sym typeface="Open Sans"/>
-              </a:rPr>
-              <a:t>Keras</a:t>
-            </a:r>
-            <a:r>
-              <a:rPr lang="ru-RU" sz="2800" dirty="0">
-                <a:solidFill>
-                  <a:srgbClr val="292829"/>
-                </a:solidFill>
-                <a:latin typeface="Open Sans"/>
-                <a:ea typeface="Open Sans"/>
-                <a:cs typeface="Open Sans"/>
-                <a:sym typeface="Open Sans"/>
-              </a:rPr>
-              <a:t> </a:t>
-            </a:r>
-            <a:r>
-              <a:rPr lang="ru-RU" sz="2800" dirty="0" smtClean="0">
-                <a:solidFill>
-                  <a:srgbClr val="292829"/>
-                </a:solidFill>
-                <a:latin typeface="Open Sans"/>
-                <a:ea typeface="Open Sans"/>
-                <a:cs typeface="Open Sans"/>
-                <a:sym typeface="Open Sans"/>
-              </a:rPr>
-              <a:t>создается </a:t>
-            </a:r>
-            <a:r>
-              <a:rPr lang="ru-RU" sz="2800" dirty="0">
-                <a:solidFill>
-                  <a:srgbClr val="292829"/>
-                </a:solidFill>
-                <a:latin typeface="Open Sans"/>
-                <a:ea typeface="Open Sans"/>
-                <a:cs typeface="Open Sans"/>
-                <a:sym typeface="Open Sans"/>
-              </a:rPr>
-              <a:t>экземпляр класса </a:t>
-            </a:r>
-            <a:r>
-              <a:rPr lang="ru-RU" sz="2800" dirty="0" err="1">
-                <a:solidFill>
-                  <a:srgbClr val="292829"/>
-                </a:solidFill>
-                <a:latin typeface="Open Sans"/>
-                <a:ea typeface="Open Sans"/>
-                <a:cs typeface="Open Sans"/>
-                <a:sym typeface="Open Sans"/>
-              </a:rPr>
-              <a:t>Model</a:t>
-            </a:r>
-            <a:r>
-              <a:rPr lang="ru-RU" sz="2800" dirty="0">
-                <a:solidFill>
-                  <a:srgbClr val="292829"/>
-                </a:solidFill>
-                <a:latin typeface="Open Sans"/>
-                <a:ea typeface="Open Sans"/>
-                <a:cs typeface="Open Sans"/>
-                <a:sym typeface="Open Sans"/>
-              </a:rPr>
-              <a:t>, в который </a:t>
-            </a:r>
-            <a:r>
-              <a:rPr lang="ru-RU" sz="2800" dirty="0" smtClean="0">
-                <a:solidFill>
-                  <a:srgbClr val="292829"/>
-                </a:solidFill>
-                <a:latin typeface="Open Sans"/>
-                <a:ea typeface="Open Sans"/>
-                <a:cs typeface="Open Sans"/>
-                <a:sym typeface="Open Sans"/>
-              </a:rPr>
-              <a:t>передаются </a:t>
-            </a:r>
-            <a:r>
-              <a:rPr lang="ru-RU" sz="2800" dirty="0">
-                <a:solidFill>
-                  <a:srgbClr val="292829"/>
-                </a:solidFill>
-                <a:latin typeface="Open Sans"/>
-                <a:ea typeface="Open Sans"/>
-                <a:cs typeface="Open Sans"/>
-                <a:sym typeface="Open Sans"/>
-              </a:rPr>
-              <a:t>входные значения (</a:t>
-            </a:r>
-            <a:r>
-              <a:rPr lang="ru-RU" sz="2800" dirty="0" err="1">
+              <a:rPr lang="ru-RU" sz="3200" dirty="0">
+                <a:solidFill>
+                  <a:srgbClr val="292829"/>
+                </a:solidFill>
+                <a:latin typeface="Open Sans"/>
+                <a:ea typeface="Open Sans"/>
+                <a:cs typeface="Open Sans"/>
+                <a:sym typeface="Open Sans"/>
+              </a:rPr>
+              <a:t>Н</a:t>
+            </a:r>
+            <a:r>
+              <a:rPr lang="ru-RU" sz="3200" dirty="0" smtClean="0">
+                <a:solidFill>
+                  <a:srgbClr val="292829"/>
+                </a:solidFill>
+                <a:latin typeface="Open Sans"/>
+                <a:ea typeface="Open Sans"/>
+                <a:cs typeface="Open Sans"/>
+                <a:sym typeface="Open Sans"/>
+              </a:rPr>
+              <a:t>а </a:t>
+            </a:r>
+            <a:r>
+              <a:rPr lang="ru-RU" sz="3200" dirty="0">
+                <a:solidFill>
+                  <a:srgbClr val="292829"/>
+                </a:solidFill>
+                <a:latin typeface="Open Sans"/>
+                <a:ea typeface="Open Sans"/>
+                <a:cs typeface="Open Sans"/>
+                <a:sym typeface="Open Sans"/>
+              </a:rPr>
+              <a:t>вход </a:t>
+            </a:r>
+            <a:r>
+              <a:rPr lang="ru-RU" sz="3200" dirty="0" smtClean="0">
+                <a:solidFill>
+                  <a:srgbClr val="292829"/>
+                </a:solidFill>
+                <a:latin typeface="Open Sans"/>
+                <a:ea typeface="Open Sans"/>
+                <a:cs typeface="Open Sans"/>
+                <a:sym typeface="Open Sans"/>
+              </a:rPr>
+              <a:t>подается изображение размером </a:t>
+            </a:r>
+            <a:r>
+              <a:rPr lang="ru-RU" sz="3200" dirty="0">
+                <a:solidFill>
+                  <a:srgbClr val="292829"/>
+                </a:solidFill>
+                <a:latin typeface="Open Sans"/>
+                <a:ea typeface="Open Sans"/>
+                <a:cs typeface="Open Sans"/>
+                <a:sym typeface="Open Sans"/>
+              </a:rPr>
+              <a:t>224x224 пикселя в трехканальном цветовом режиме (слой </a:t>
+            </a:r>
+            <a:r>
+              <a:rPr lang="ru-RU" sz="3200" dirty="0" err="1">
                 <a:solidFill>
                   <a:srgbClr val="292829"/>
                 </a:solidFill>
@@ -6151,16 +5651,16 @@
               <a:t>InputLayer</a:t>
             </a:r>
             <a:r>
-              <a:rPr lang="ru-RU" sz="2800" dirty="0">
-                <a:solidFill>
-                  <a:srgbClr val="292829"/>
-                </a:solidFill>
-                <a:latin typeface="Open Sans"/>
-                <a:ea typeface="Open Sans"/>
-                <a:cs typeface="Open Sans"/>
-                <a:sym typeface="Open Sans"/>
-              </a:rPr>
-              <a:t>) и выходные (это все остальные слои).</a:t>
+              <a:rPr lang="ru-RU" sz="3200" dirty="0">
+                <a:solidFill>
+                  <a:srgbClr val="292829"/>
+                </a:solidFill>
+                <a:latin typeface="Open Sans"/>
+                <a:ea typeface="Open Sans"/>
+                <a:cs typeface="Open Sans"/>
+                <a:sym typeface="Open Sans"/>
+              </a:rPr>
+              <a:t>). </a:t>
             </a:r>
           </a:p>
           <a:p>
@@ -6170,62 +5670,7 @@
               </a:lnSpc>
             </a:pPr>
             <a:r>
-              <a:rPr lang="ru-RU" sz="2800" dirty="0" smtClean="0">
-                <a:solidFill>
-                  <a:srgbClr val="292829"/>
-                </a:solidFill>
-                <a:latin typeface="Open Sans"/>
-                <a:ea typeface="Open Sans"/>
-                <a:cs typeface="Open Sans"/>
-                <a:sym typeface="Open Sans"/>
-              </a:rPr>
-              <a:t>Модель </a:t>
-            </a:r>
-            <a:r>
-              <a:rPr lang="ru-RU" sz="2800" dirty="0">
-                <a:solidFill>
-                  <a:srgbClr val="292829"/>
-                </a:solidFill>
-                <a:latin typeface="Open Sans"/>
-                <a:ea typeface="Open Sans"/>
-                <a:cs typeface="Open Sans"/>
-                <a:sym typeface="Open Sans"/>
-              </a:rPr>
-              <a:t>получает на вход изображение (матрицу) размером 224x224 пикселя в трехканальном цветовом режиме (слой </a:t>
-            </a:r>
-            <a:r>
-              <a:rPr lang="ru-RU" sz="2800" dirty="0" err="1">
-                <a:solidFill>
-                  <a:srgbClr val="292829"/>
-                </a:solidFill>
-                <a:latin typeface="Open Sans"/>
-                <a:ea typeface="Open Sans"/>
-                <a:cs typeface="Open Sans"/>
-                <a:sym typeface="Open Sans"/>
-              </a:rPr>
-              <a:t>InputLayer</a:t>
-            </a:r>
-            <a:r>
-              <a:rPr lang="ru-RU" sz="2800" dirty="0">
-                <a:solidFill>
-                  <a:srgbClr val="292829"/>
-                </a:solidFill>
-                <a:latin typeface="Open Sans"/>
-                <a:ea typeface="Open Sans"/>
-                <a:cs typeface="Open Sans"/>
-                <a:sym typeface="Open Sans"/>
-              </a:rPr>
-              <a:t>). </a:t>
-            </a:r>
-          </a:p>
-          <a:p>
-            <a:pPr lvl="0">
-              <a:lnSpc>
-                <a:spcPct val="150000"/>
-              </a:lnSpc>
-            </a:pPr>
-            <a:r>
-              <a:rPr lang="ru-RU" sz="2800" dirty="0" smtClean="0">
+              <a:rPr lang="ru-RU" sz="3200" dirty="0" smtClean="0">
                 <a:solidFill>
                   <a:srgbClr val="292829"/>
                 </a:solidFill>
@@ -6237,7 +5682,7 @@
               <a:t>Слои </a:t>
             </a:r>
             <a:r>
-              <a:rPr lang="ru-RU" sz="2800" b="1" dirty="0">
+              <a:rPr lang="ru-RU" sz="3200" b="1" dirty="0">
                 <a:solidFill>
                   <a:srgbClr val="292829"/>
                 </a:solidFill>
@@ -6249,7 +5694,7 @@
               <a:t>Conv2D</a:t>
             </a:r>
             <a:r>
-              <a:rPr lang="ru-RU" sz="2800" dirty="0">
+              <a:rPr lang="ru-RU" sz="3200" dirty="0">
                 <a:solidFill>
                   <a:srgbClr val="292829"/>
                 </a:solidFill>
@@ -6261,7 +5706,7 @@
               <a:t> и </a:t>
             </a:r>
             <a:r>
-              <a:rPr lang="ru-RU" sz="2800" b="1" dirty="0">
+              <a:rPr lang="ru-RU" sz="3200" b="1" dirty="0">
                 <a:solidFill>
                   <a:srgbClr val="292829"/>
                 </a:solidFill>
@@ -6273,42 +5718,18 @@
               <a:t>SeparableConv2D</a:t>
             </a:r>
             <a:r>
-              <a:rPr lang="ru-RU" sz="2800" dirty="0">
-                <a:solidFill>
-                  <a:srgbClr val="292829"/>
-                </a:solidFill>
-                <a:latin typeface="Open Sans"/>
-                <a:ea typeface="Open Sans"/>
-                <a:cs typeface="Open Sans"/>
-                <a:sym typeface="Open Sans"/>
-              </a:rPr>
-              <a:t> осуществляют свертку изображения, при этом растет число распознаваемых параметров. Всего </a:t>
-            </a:r>
-            <a:r>
-              <a:rPr lang="ru-RU" sz="2800" dirty="0" smtClean="0">
-                <a:solidFill>
-                  <a:srgbClr val="292829"/>
-                </a:solidFill>
-                <a:latin typeface="Open Sans"/>
-                <a:ea typeface="Open Sans"/>
-                <a:cs typeface="Open Sans"/>
-                <a:sym typeface="Open Sans"/>
-              </a:rPr>
-              <a:t>используется </a:t>
-            </a:r>
-            <a:r>
-              <a:rPr lang="ru-RU" sz="2800" dirty="0">
-                <a:solidFill>
-                  <a:srgbClr val="292829"/>
-                </a:solidFill>
-                <a:latin typeface="Open Sans"/>
-                <a:ea typeface="Open Sans"/>
-                <a:cs typeface="Open Sans"/>
-                <a:sym typeface="Open Sans"/>
-              </a:rPr>
-              <a:t>10 таких слоев. </a:t>
-            </a:r>
-            <a:endParaRPr lang="ru-RU" sz="2800" dirty="0" smtClean="0">
+              <a:rPr lang="ru-RU" sz="3200" dirty="0">
+                <a:solidFill>
+                  <a:srgbClr val="292829"/>
+                </a:solidFill>
+                <a:latin typeface="Open Sans"/>
+                <a:ea typeface="Open Sans"/>
+                <a:cs typeface="Open Sans"/>
+                <a:sym typeface="Open Sans"/>
+              </a:rPr>
+              <a:t> осуществляют свертку изображения, при этом растет число распознаваемых параметров. </a:t>
+            </a:r>
+            <a:endParaRPr lang="ru-RU" sz="3200" dirty="0" smtClean="0">
               <a:solidFill>
                 <a:srgbClr val="292829"/>
               </a:solidFill>
@@ -6325,7 +5746,7 @@
               </a:lnSpc>
             </a:pPr>
             <a:r>
-              <a:rPr lang="ru-RU" sz="2800" dirty="0" smtClean="0">
+              <a:rPr lang="ru-RU" sz="3200" dirty="0" smtClean="0">
                 <a:solidFill>
                   <a:srgbClr val="292829"/>
                 </a:solidFill>
@@ -6337,7 +5758,7 @@
               <a:t>Слои </a:t>
             </a:r>
             <a:r>
-              <a:rPr lang="ru-RU" sz="2800" b="1" dirty="0">
+              <a:rPr lang="ru-RU" sz="3200" b="1" dirty="0">
                 <a:solidFill>
                   <a:srgbClr val="292829"/>
                 </a:solidFill>
@@ -6349,7 +5770,7 @@
               <a:t>MaxPooling2D</a:t>
             </a:r>
             <a:r>
-              <a:rPr lang="ru-RU" sz="2800" dirty="0">
+              <a:rPr lang="ru-RU" sz="3200" dirty="0">
                 <a:solidFill>
                   <a:srgbClr val="292829"/>
                 </a:solidFill>
@@ -6361,7 +5782,7 @@
               <a:t> </a:t>
             </a:r>
             <a:r>
-              <a:rPr lang="ru-RU" sz="2800" dirty="0" smtClean="0">
+              <a:rPr lang="ru-RU" sz="3200" dirty="0" smtClean="0">
                 <a:solidFill>
                   <a:srgbClr val="292829"/>
                 </a:solidFill>
@@ -6373,7 +5794,7 @@
               <a:t>уменьшают </a:t>
             </a:r>
             <a:r>
-              <a:rPr lang="ru-RU" sz="2800" dirty="0">
+              <a:rPr lang="ru-RU" sz="3200" dirty="0">
                 <a:solidFill>
                   <a:srgbClr val="292829"/>
                 </a:solidFill>
@@ -6392,7 +5813,7 @@
               </a:lnSpc>
             </a:pPr>
             <a:r>
-              <a:rPr lang="ru-RU" sz="2800" b="1" dirty="0" err="1">
+              <a:rPr lang="ru-RU" sz="3200" b="1" dirty="0" err="1">
                 <a:solidFill>
                   <a:srgbClr val="292829"/>
                 </a:solidFill>
@@ -6404,7 +5825,7 @@
               <a:t>BatchNormalization</a:t>
             </a:r>
             <a:r>
-              <a:rPr lang="ru-RU" sz="2800" dirty="0">
+              <a:rPr lang="ru-RU" sz="3200" dirty="0">
                 <a:solidFill>
                   <a:srgbClr val="292829"/>
                 </a:solidFill>
@@ -6415,7 +5836,7 @@
               </a:rPr>
               <a:t> используются для оптимизации работы сети. </a:t>
             </a:r>
-            <a:endParaRPr lang="ru-RU" sz="2800" dirty="0" smtClean="0">
+            <a:endParaRPr lang="ru-RU" sz="3200" dirty="0" smtClean="0">
               <a:solidFill>
                 <a:srgbClr val="292829"/>
               </a:solidFill>
@@ -6432,31 +5853,43 @@
               </a:lnSpc>
             </a:pPr>
             <a:r>
-              <a:rPr lang="ru-RU" sz="2800" dirty="0" smtClean="0">
-                <a:solidFill>
-                  <a:srgbClr val="292829"/>
-                </a:solidFill>
-                <a:latin typeface="Open Sans"/>
-                <a:ea typeface="Open Sans"/>
-                <a:cs typeface="Open Sans"/>
-                <a:sym typeface="Open Sans"/>
-              </a:rPr>
-              <a:t>Вся </a:t>
-            </a:r>
-            <a:r>
-              <a:rPr lang="ru-RU" sz="2800" dirty="0">
-                <a:solidFill>
-                  <a:srgbClr val="292829"/>
-                </a:solidFill>
-                <a:latin typeface="Open Sans"/>
-                <a:ea typeface="Open Sans"/>
-                <a:cs typeface="Open Sans"/>
-                <a:sym typeface="Open Sans"/>
-              </a:rPr>
-              <a:t>свертка происходит в несколько этапов, пока исходная матрица не уменьшается до размера 14x14. После этого слой </a:t>
-            </a:r>
-            <a:r>
-              <a:rPr lang="ru-RU" sz="2800" b="1" dirty="0" err="1">
+              <a:rPr lang="ru-RU" sz="3200" dirty="0">
+                <a:solidFill>
+                  <a:srgbClr val="292829"/>
+                </a:solidFill>
+                <a:latin typeface="Open Sans"/>
+                <a:ea typeface="Open Sans"/>
+                <a:cs typeface="Open Sans"/>
+                <a:sym typeface="Open Sans"/>
+              </a:rPr>
+              <a:t>С</a:t>
+            </a:r>
+            <a:r>
+              <a:rPr lang="ru-RU" sz="3200" dirty="0" smtClean="0">
+                <a:solidFill>
+                  <a:srgbClr val="292829"/>
+                </a:solidFill>
+                <a:latin typeface="Open Sans"/>
+                <a:ea typeface="Open Sans"/>
+                <a:cs typeface="Open Sans"/>
+                <a:sym typeface="Open Sans"/>
+              </a:rPr>
+              <a:t>вертка осуществляется пока </a:t>
+            </a:r>
+            <a:r>
+              <a:rPr lang="ru-RU" sz="3200" dirty="0">
+                <a:solidFill>
+                  <a:srgbClr val="292829"/>
+                </a:solidFill>
+                <a:latin typeface="Open Sans"/>
+                <a:ea typeface="Open Sans"/>
+                <a:cs typeface="Open Sans"/>
+                <a:sym typeface="Open Sans"/>
+              </a:rPr>
+              <a:t>исходная матрица не уменьшается до размера 14x14. После этого слой </a:t>
+            </a:r>
+            <a:r>
+              <a:rPr lang="ru-RU" sz="3200" b="1" dirty="0" err="1">
                 <a:solidFill>
                   <a:srgbClr val="292829"/>
                 </a:solidFill>
@@ -6468,7 +5901,7 @@
               <a:t>Flatten</a:t>
             </a:r>
             <a:r>
-              <a:rPr lang="ru-RU" sz="2800" dirty="0">
+              <a:rPr lang="ru-RU" sz="3200" dirty="0">
                 <a:solidFill>
                   <a:srgbClr val="292829"/>
                 </a:solidFill>
@@ -6480,7 +5913,7 @@
               <a:t> преобразует матрицу в вектор, который далее и подается на вход </a:t>
             </a:r>
             <a:r>
-              <a:rPr lang="ru-RU" sz="2800" dirty="0" err="1">
+              <a:rPr lang="ru-RU" sz="3200" dirty="0" err="1">
                 <a:solidFill>
                   <a:srgbClr val="292829"/>
                 </a:solidFill>
@@ -6492,7 +5925,7 @@
               <a:t>Dense</a:t>
             </a:r>
             <a:r>
-              <a:rPr lang="ru-RU" sz="2800" dirty="0">
+              <a:rPr lang="ru-RU" sz="3200" dirty="0">
                 <a:solidFill>
                   <a:srgbClr val="292829"/>
                 </a:solidFill>
@@ -6503,7 +5936,7 @@
               </a:rPr>
               <a:t> слоев модели. </a:t>
             </a:r>
-            <a:endParaRPr lang="ru-RU" sz="2800" dirty="0" smtClean="0">
+            <a:endParaRPr lang="ru-RU" sz="3200" dirty="0" smtClean="0">
               <a:solidFill>
                 <a:srgbClr val="292829"/>
               </a:solidFill>
@@ -6520,7 +5953,7 @@
               </a:lnSpc>
             </a:pPr>
             <a:r>
-              <a:rPr lang="ru-RU" sz="2800" dirty="0" err="1" smtClean="0">
+              <a:rPr lang="ru-RU" sz="3200" dirty="0" err="1" smtClean="0">
                 <a:solidFill>
                   <a:srgbClr val="292829"/>
                 </a:solidFill>
@@ -6532,7 +5965,7 @@
               <a:t>Полносвязные</a:t>
             </a:r>
             <a:r>
-              <a:rPr lang="ru-RU" sz="2800" dirty="0" smtClean="0">
+              <a:rPr lang="ru-RU" sz="3200" dirty="0" smtClean="0">
                 <a:solidFill>
                   <a:srgbClr val="292829"/>
                 </a:solidFill>
@@ -6544,7 +5977,7 @@
               <a:t> </a:t>
             </a:r>
             <a:r>
-              <a:rPr lang="ru-RU" sz="2800" b="1" dirty="0" err="1">
+              <a:rPr lang="ru-RU" sz="3200" b="1" dirty="0" err="1">
                 <a:solidFill>
                   <a:srgbClr val="292829"/>
                 </a:solidFill>
@@ -6556,7 +5989,7 @@
               <a:t>Dense</a:t>
             </a:r>
             <a:r>
-              <a:rPr lang="ru-RU" sz="2800" dirty="0">
+              <a:rPr lang="ru-RU" sz="3200" dirty="0">
                 <a:solidFill>
                   <a:srgbClr val="292829"/>
                 </a:solidFill>
@@ -6568,7 +6001,7 @@
               <a:t> слои получают на вход количество </a:t>
             </a:r>
             <a:r>
-              <a:rPr lang="ru-RU" sz="2800" dirty="0" smtClean="0">
+              <a:rPr lang="ru-RU" sz="3200" dirty="0" smtClean="0">
                 <a:solidFill>
                   <a:srgbClr val="292829"/>
                 </a:solidFill>
@@ -6580,7 +6013,7 @@
               <a:t>нейронов и </a:t>
             </a:r>
             <a:r>
-              <a:rPr lang="ru-RU" sz="2800" dirty="0">
+              <a:rPr lang="ru-RU" sz="3200" dirty="0">
                 <a:solidFill>
                   <a:srgbClr val="292829"/>
                 </a:solidFill>
@@ -6592,7 +6025,7 @@
               <a:t>функцию </a:t>
             </a:r>
             <a:r>
-              <a:rPr lang="ru-RU" sz="2800" dirty="0" smtClean="0">
+              <a:rPr lang="ru-RU" sz="3200" dirty="0" smtClean="0">
                 <a:solidFill>
                   <a:srgbClr val="292829"/>
                 </a:solidFill>
@@ -6603,7 +6036,7 @@
               </a:rPr>
               <a:t>активации.</a:t>
             </a:r>
-            <a:endParaRPr lang="ru-RU" sz="2800" dirty="0">
+            <a:endParaRPr lang="ru-RU" sz="3200" dirty="0">
               <a:solidFill>
                 <a:srgbClr val="292829"/>
               </a:solidFill>
@@ -6620,7 +6053,7 @@
               </a:lnSpc>
             </a:pPr>
             <a:r>
-              <a:rPr lang="ru-RU" sz="2800" dirty="0">
+              <a:rPr lang="ru-RU" sz="3200" dirty="0">
                 <a:solidFill>
                   <a:srgbClr val="292829"/>
                 </a:solidFill>
@@ -6632,7 +6065,7 @@
               <a:t>Два слоя </a:t>
             </a:r>
             <a:r>
-              <a:rPr lang="ru-RU" sz="2800" b="1" dirty="0" err="1">
+              <a:rPr lang="ru-RU" sz="3200" b="1" dirty="0" err="1">
                 <a:solidFill>
                   <a:srgbClr val="292829"/>
                 </a:solidFill>
@@ -6644,7 +6077,7 @@
               <a:t>Dropout</a:t>
             </a:r>
             <a:r>
-              <a:rPr lang="ru-RU" sz="2800" dirty="0">
+              <a:rPr lang="ru-RU" sz="3200" dirty="0">
                 <a:solidFill>
                   <a:srgbClr val="292829"/>
                 </a:solidFill>
@@ -6655,7 +6088,7 @@
               </a:rPr>
               <a:t> должны снизить эффект переобучения. </a:t>
             </a:r>
-            <a:endParaRPr lang="ru-RU" sz="2800" dirty="0" smtClean="0">
+            <a:endParaRPr lang="ru-RU" sz="3200" dirty="0" smtClean="0">
               <a:solidFill>
                 <a:srgbClr val="292829"/>
               </a:solidFill>
@@ -6672,7 +6105,7 @@
               </a:lnSpc>
             </a:pPr>
             <a:r>
-              <a:rPr lang="ru-RU" sz="2800" dirty="0" smtClean="0">
+              <a:rPr lang="ru-RU" sz="3200" dirty="0" smtClean="0">
                 <a:solidFill>
                   <a:srgbClr val="292829"/>
                 </a:solidFill>
@@ -6684,7 +6117,7 @@
               <a:t>Последний </a:t>
             </a:r>
             <a:r>
-              <a:rPr lang="ru-RU" sz="2800" dirty="0">
+              <a:rPr lang="ru-RU" sz="3200" dirty="0">
                 <a:solidFill>
                   <a:srgbClr val="292829"/>
                 </a:solidFill>
@@ -6696,7 +6129,7 @@
               <a:t>слой в сети типа </a:t>
             </a:r>
             <a:r>
-              <a:rPr lang="ru-RU" sz="2800" dirty="0" err="1">
+              <a:rPr lang="ru-RU" sz="3200" dirty="0" err="1">
                 <a:solidFill>
                   <a:srgbClr val="292829"/>
                 </a:solidFill>
@@ -6708,7 +6141,7 @@
               <a:t>Dense</a:t>
             </a:r>
             <a:r>
-              <a:rPr lang="ru-RU" sz="2800" dirty="0">
+              <a:rPr lang="ru-RU" sz="3200" dirty="0">
                 <a:solidFill>
                   <a:srgbClr val="292829"/>
                 </a:solidFill>
@@ -6720,7 +6153,7 @@
               <a:t> имеет два выходных нейрона, соответствующих количеству распознаваемых </a:t>
             </a:r>
             <a:r>
-              <a:rPr lang="ru-RU" sz="2800" dirty="0" smtClean="0">
+              <a:rPr lang="ru-RU" sz="3200" dirty="0" smtClean="0">
                 <a:solidFill>
                   <a:srgbClr val="292829"/>
                 </a:solidFill>
@@ -6731,7 +6164,7 @@
               </a:rPr>
               <a:t>классов.</a:t>
             </a:r>
-            <a:endParaRPr lang="ru-RU" sz="2800" dirty="0">
+            <a:endParaRPr lang="ru-RU" sz="3200" dirty="0">
               <a:solidFill>
                 <a:srgbClr val="292829"/>
               </a:solidFill>
@@ -6785,7 +6218,7 @@
 </p:sld>
 </file>
 
-<file path=ppt/slides/slide14.xml><?xml version="1.0" encoding="utf-8"?>
+<file path=ppt/slides/slide13.xml><?xml version="1.0" encoding="utf-8"?>
 <p:sld xmlns:a="http://schemas.openxmlformats.org/drawingml/2006/main" xmlns:r="http://schemas.openxmlformats.org/officeDocument/2006/relationships" xmlns:p="http://schemas.openxmlformats.org/presentationml/2006/main">
   <p:cSld>
     <p:spTree>
@@ -6869,7 +6302,7 @@
         <p:spPr>
           <a:xfrm>
             <a:off x="1590804" y="4514733"/>
-            <a:ext cx="17373601" cy="6555600"/>
+            <a:ext cx="17373601" cy="7478930"/>
           </a:xfrm>
           <a:prstGeom prst="rect">
             <a:avLst/>
@@ -6963,7 +6396,7 @@
             </a:endParaRPr>
           </a:p>
           <a:p>
-            <a:pPr marL="571500" lvl="0" indent="-571500">
+            <a:pPr marL="571500" indent="-571500">
               <a:lnSpc>
                 <a:spcPct val="150000"/>
               </a:lnSpc>
@@ -6971,43 +6404,31 @@
               <a:buChar char="•"/>
             </a:pPr>
             <a:r>
+              <a:rPr lang="ru-RU" sz="4000" dirty="0">
+                <a:solidFill>
+                  <a:srgbClr val="292829"/>
+                </a:solidFill>
+                <a:latin typeface="Open Sans"/>
+                <a:ea typeface="Open Sans"/>
+                <a:cs typeface="Open Sans"/>
+                <a:sym typeface="Open Sans"/>
+              </a:rPr>
+              <a:t>скорость обучения (</a:t>
+            </a:r>
+            <a:r>
+              <a:rPr lang="en-US" sz="4000" dirty="0" err="1">
+                <a:solidFill>
+                  <a:srgbClr val="292829"/>
+                </a:solidFill>
+                <a:latin typeface="Open Sans"/>
+                <a:ea typeface="Open Sans"/>
+                <a:cs typeface="Open Sans"/>
+                <a:sym typeface="Open Sans"/>
+              </a:rPr>
+              <a:t>learning_rate</a:t>
+            </a:r>
+            <a:r>
               <a:rPr lang="ru-RU" sz="4000" dirty="0" smtClean="0">
-                <a:solidFill>
-                  <a:srgbClr val="292829"/>
-                </a:solidFill>
-                <a:latin typeface="Open Sans"/>
-                <a:ea typeface="Open Sans"/>
-                <a:cs typeface="Open Sans"/>
-                <a:sym typeface="Open Sans"/>
-              </a:rPr>
-              <a:t>ранняя </a:t>
-            </a:r>
-            <a:r>
-              <a:rPr lang="ru-RU" sz="4000" dirty="0">
-                <a:solidFill>
-                  <a:srgbClr val="292829"/>
-                </a:solidFill>
-                <a:latin typeface="Open Sans"/>
-                <a:ea typeface="Open Sans"/>
-                <a:cs typeface="Open Sans"/>
-                <a:sym typeface="Open Sans"/>
-              </a:rPr>
-              <a:t>остановка (</a:t>
-            </a:r>
-            <a:r>
-              <a:rPr lang="en-US" sz="4000" dirty="0" err="1">
-                <a:solidFill>
-                  <a:srgbClr val="292829"/>
-                </a:solidFill>
-                <a:latin typeface="Open Sans"/>
-                <a:ea typeface="Open Sans"/>
-                <a:cs typeface="Open Sans"/>
-                <a:sym typeface="Open Sans"/>
-              </a:rPr>
-              <a:t>EarlyStopping</a:t>
-            </a:r>
-            <a:r>
-              <a:rPr lang="en-US" sz="4000" dirty="0" smtClean="0">
                 <a:solidFill>
                   <a:srgbClr val="292829"/>
                 </a:solidFill>
@@ -7046,7 +6467,7 @@
                 <a:cs typeface="Open Sans"/>
                 <a:sym typeface="Open Sans"/>
               </a:rPr>
-              <a:t>размер </a:t>
+              <a:t>ранняя </a:t>
             </a:r>
             <a:r>
               <a:rPr lang="ru-RU" sz="4000" dirty="0">
@@ -7058,7 +6479,7 @@
                 <a:cs typeface="Open Sans"/>
                 <a:sym typeface="Open Sans"/>
               </a:rPr>
-              <a:t>партии (</a:t>
+              <a:t>остановка (</a:t>
             </a:r>
             <a:r>
               <a:rPr lang="en-US" sz="4000" dirty="0" err="1">
@@ -7070,7 +6491,7 @@
                 <a:cs typeface="Open Sans"/>
                 <a:sym typeface="Open Sans"/>
               </a:rPr>
-              <a:t>batch_size</a:t>
+              <a:t>EarlyStopping</a:t>
             </a:r>
             <a:r>
               <a:rPr lang="en-US" sz="4000" dirty="0" smtClean="0">
@@ -7103,6 +6524,18 @@
               <a:buChar char="•"/>
             </a:pPr>
             <a:r>
+              <a:rPr lang="ru-RU" sz="4000" dirty="0" smtClean="0">
+                <a:solidFill>
+                  <a:srgbClr val="292829"/>
+                </a:solidFill>
+                <a:latin typeface="Open Sans"/>
+                <a:ea typeface="Open Sans"/>
+                <a:cs typeface="Open Sans"/>
+                <a:sym typeface="Open Sans"/>
+              </a:rPr>
+              <a:t>размер </a:t>
+            </a:r>
+            <a:r>
               <a:rPr lang="ru-RU" sz="4000" dirty="0">
                 <a:solidFill>
                   <a:srgbClr val="292829"/>
@@ -7112,19 +6545,19 @@
                 <a:cs typeface="Open Sans"/>
                 <a:sym typeface="Open Sans"/>
               </a:rPr>
-              <a:t>ч</a:t>
-            </a:r>
-            <a:r>
-              <a:rPr lang="ru-RU" sz="4000" dirty="0" smtClean="0">
-                <a:solidFill>
-                  <a:srgbClr val="292829"/>
-                </a:solidFill>
-                <a:latin typeface="Open Sans"/>
-                <a:ea typeface="Open Sans"/>
-                <a:cs typeface="Open Sans"/>
-                <a:sym typeface="Open Sans"/>
-              </a:rPr>
-              <a:t>исло эпох (</a:t>
+              <a:t>партии (</a:t>
+            </a:r>
+            <a:r>
+              <a:rPr lang="en-US" sz="4000" dirty="0" err="1">
+                <a:solidFill>
+                  <a:srgbClr val="292829"/>
+                </a:solidFill>
+                <a:latin typeface="Open Sans"/>
+                <a:ea typeface="Open Sans"/>
+                <a:cs typeface="Open Sans"/>
+                <a:sym typeface="Open Sans"/>
+              </a:rPr>
+              <a:t>batch_size</a:t>
             </a:r>
             <a:r>
               <a:rPr lang="en-US" sz="4000" dirty="0" smtClean="0">
@@ -7136,21 +6569,9 @@
                 <a:cs typeface="Open Sans"/>
                 <a:sym typeface="Open Sans"/>
               </a:rPr>
-              <a:t>epochs</a:t>
-            </a:r>
-            <a:r>
-              <a:rPr lang="ru-RU" sz="4000" dirty="0" smtClean="0">
-                <a:solidFill>
-                  <a:srgbClr val="292829"/>
-                </a:solidFill>
-                <a:latin typeface="Open Sans"/>
-                <a:ea typeface="Open Sans"/>
-                <a:cs typeface="Open Sans"/>
-                <a:sym typeface="Open Sans"/>
-              </a:rPr>
               <a:t>)</a:t>
             </a:r>
-            <a:endParaRPr lang="en-US" sz="4000" dirty="0" smtClean="0">
+            <a:endParaRPr lang="ru-RU" sz="4000" dirty="0" smtClean="0">
               <a:solidFill>
                 <a:srgbClr val="292829"/>
               </a:solidFill>
@@ -7167,6 +6588,61 @@
               </a:lnSpc>
               <a:buFont typeface="Arial" panose="020B0604020202020204" pitchFamily="34" charset="0"/>
               <a:buChar char="•"/>
+            </a:pPr>
+            <a:r>
+              <a:rPr lang="ru-RU" sz="4000" dirty="0">
+                <a:solidFill>
+                  <a:srgbClr val="292829"/>
+                </a:solidFill>
+                <a:latin typeface="Open Sans"/>
+                <a:ea typeface="Open Sans"/>
+                <a:cs typeface="Open Sans"/>
+                <a:sym typeface="Open Sans"/>
+              </a:rPr>
+              <a:t>ч</a:t>
+            </a:r>
+            <a:r>
+              <a:rPr lang="ru-RU" sz="4000" dirty="0" smtClean="0">
+                <a:solidFill>
+                  <a:srgbClr val="292829"/>
+                </a:solidFill>
+                <a:latin typeface="Open Sans"/>
+                <a:ea typeface="Open Sans"/>
+                <a:cs typeface="Open Sans"/>
+                <a:sym typeface="Open Sans"/>
+              </a:rPr>
+              <a:t>исло эпох (</a:t>
+            </a:r>
+            <a:r>
+              <a:rPr lang="en-US" sz="4000" dirty="0" smtClean="0">
+                <a:solidFill>
+                  <a:srgbClr val="292829"/>
+                </a:solidFill>
+                <a:latin typeface="Open Sans"/>
+                <a:ea typeface="Open Sans"/>
+                <a:cs typeface="Open Sans"/>
+                <a:sym typeface="Open Sans"/>
+              </a:rPr>
+              <a:t>epochs</a:t>
+            </a:r>
+            <a:r>
+              <a:rPr lang="ru-RU" sz="4000" dirty="0" smtClean="0">
+                <a:solidFill>
+                  <a:srgbClr val="292829"/>
+                </a:solidFill>
+                <a:latin typeface="Open Sans"/>
+                <a:ea typeface="Open Sans"/>
+                <a:cs typeface="Open Sans"/>
+                <a:sym typeface="Open Sans"/>
+              </a:rPr>
+              <a:t>)</a:t>
+            </a:r>
+          </a:p>
+          <a:p>
+            <a:pPr lvl="0">
+              <a:lnSpc>
+                <a:spcPct val="150000"/>
+              </a:lnSpc>
             </a:pPr>
             <a:endParaRPr lang="en-US" sz="4000" dirty="0">
               <a:solidFill>
@@ -7327,7 +6803,7 @@
 </p:sld>
 </file>
 
-<file path=ppt/slides/slide15.xml><?xml version="1.0" encoding="utf-8"?>
+<file path=ppt/slides/slide14.xml><?xml version="1.0" encoding="utf-8"?>
 <p:sld xmlns:a="http://schemas.openxmlformats.org/drawingml/2006/main" xmlns:r="http://schemas.openxmlformats.org/officeDocument/2006/relationships" xmlns:p="http://schemas.openxmlformats.org/presentationml/2006/main">
   <p:cSld>
     <p:spTree>
@@ -8060,7 +7536,7 @@
         <p:spPr>
           <a:xfrm>
             <a:off x="17314632" y="5933161"/>
-            <a:ext cx="742511" cy="646331"/>
+            <a:ext cx="827471" cy="646331"/>
           </a:xfrm>
           <a:prstGeom prst="rect">
             <a:avLst/>
@@ -8078,7 +7554,7 @@
                 <a:ea typeface="Open Sans" pitchFamily="2" charset="0"/>
                 <a:cs typeface="Open Sans" pitchFamily="2" charset="0"/>
               </a:rPr>
-              <a:t>TP</a:t>
+              <a:t>TN</a:t>
             </a:r>
             <a:endParaRPr lang="ru-RU" sz="3600" b="1" dirty="0">
               <a:latin typeface="Open Sans" pitchFamily="2" charset="0"/>
@@ -8097,7 +7573,7 @@
         <p:spPr>
           <a:xfrm>
             <a:off x="21503528" y="5933161"/>
-            <a:ext cx="813043" cy="646331"/>
+            <a:ext cx="728084" cy="646331"/>
           </a:xfrm>
           <a:prstGeom prst="rect">
             <a:avLst/>
@@ -8123,7 +7599,7 @@
                 <a:ea typeface="Open Sans" pitchFamily="2" charset="0"/>
                 <a:cs typeface="Open Sans" pitchFamily="2" charset="0"/>
               </a:rPr>
-              <a:t>N</a:t>
+              <a:t>P</a:t>
             </a:r>
             <a:endParaRPr lang="ru-RU" sz="3600" b="1" dirty="0">
               <a:latin typeface="Open Sans" pitchFamily="2" charset="0"/>
@@ -8142,7 +7618,7 @@
         <p:spPr>
           <a:xfrm>
             <a:off x="17321770" y="10043785"/>
-            <a:ext cx="728084" cy="646331"/>
+            <a:ext cx="813043" cy="646331"/>
           </a:xfrm>
           <a:prstGeom prst="rect">
             <a:avLst/>
@@ -8160,7 +7636,7 @@
                 <a:ea typeface="Open Sans" pitchFamily="2" charset="0"/>
                 <a:cs typeface="Open Sans" pitchFamily="2" charset="0"/>
               </a:rPr>
-              <a:t>FP</a:t>
+              <a:t>FN</a:t>
             </a:r>
             <a:endParaRPr lang="ru-RU" sz="3600" b="1" dirty="0">
               <a:latin typeface="Open Sans" pitchFamily="2" charset="0"/>
@@ -8179,7 +7655,7 @@
         <p:spPr>
           <a:xfrm>
             <a:off x="21503528" y="10043784"/>
-            <a:ext cx="827471" cy="646331"/>
+            <a:ext cx="742511" cy="646331"/>
           </a:xfrm>
           <a:prstGeom prst="rect">
             <a:avLst/>
@@ -8200,7 +7676,7 @@
                 <a:ea typeface="Open Sans" pitchFamily="2" charset="0"/>
                 <a:cs typeface="Open Sans" pitchFamily="2" charset="0"/>
               </a:rPr>
-              <a:t>TN</a:t>
+              <a:t>TP</a:t>
             </a:r>
             <a:endParaRPr lang="ru-RU" sz="3600" b="1" dirty="0">
               <a:solidFill>
@@ -8213,8 +7689,8 @@
           </a:p>
         </p:txBody>
       </p:sp>
-      <mc:AlternateContent xmlns:mc="http://schemas.openxmlformats.org/markup-compatibility/2006">
-        <mc:Choice xmlns:a14="http://schemas.microsoft.com/office/drawing/2010/main" Requires="a14">
+      <mc:AlternateContent xmlns:mc="http://schemas.openxmlformats.org/markup-compatibility/2006" xmlns:a14="http://schemas.microsoft.com/office/drawing/2010/main">
+        <mc:Choice Requires="a14">
           <p:sp>
             <p:nvSpPr>
               <p:cNvPr id="4" name="Прямоугольник 3"/>
@@ -8236,6 +7712,7 @@
               </a:bodyPr>
               <a:lstStyle/>
               <a:p>
+                <a:pPr/>
                 <a14:m>
                   <m:oMathPara xmlns:m="http://schemas.openxmlformats.org/officeDocument/2006/math">
                     <m:oMathParaPr>
@@ -8335,7 +7812,7 @@
             </p:txBody>
           </p:sp>
         </mc:Choice>
-        <mc:Fallback>
+        <mc:Fallback xmlns="">
           <p:sp>
             <p:nvSpPr>
               <p:cNvPr id="4" name="Прямоугольник 3"/>
@@ -8374,8 +7851,8 @@
           </p:sp>
         </mc:Fallback>
       </mc:AlternateContent>
-      <mc:AlternateContent xmlns:mc="http://schemas.openxmlformats.org/markup-compatibility/2006">
-        <mc:Choice xmlns:a14="http://schemas.microsoft.com/office/drawing/2010/main" Requires="a14">
+      <mc:AlternateContent xmlns:mc="http://schemas.openxmlformats.org/markup-compatibility/2006" xmlns:a14="http://schemas.microsoft.com/office/drawing/2010/main">
+        <mc:Choice Requires="a14">
           <p:sp>
             <p:nvSpPr>
               <p:cNvPr id="5" name="Прямоугольник 4"/>
@@ -8397,6 +7874,7 @@
               </a:bodyPr>
               <a:lstStyle/>
               <a:p>
+                <a:pPr/>
                 <a14:m>
                   <m:oMathPara xmlns:m="http://schemas.openxmlformats.org/officeDocument/2006/math">
                     <m:oMathParaPr>
@@ -8454,7 +7932,7 @@
             </p:txBody>
           </p:sp>
         </mc:Choice>
-        <mc:Fallback>
+        <mc:Fallback xmlns="">
           <p:sp>
             <p:nvSpPr>
               <p:cNvPr id="5" name="Прямоугольник 4"/>
@@ -8493,8 +7971,8 @@
           </p:sp>
         </mc:Fallback>
       </mc:AlternateContent>
-      <mc:AlternateContent xmlns:mc="http://schemas.openxmlformats.org/markup-compatibility/2006">
-        <mc:Choice xmlns:a14="http://schemas.microsoft.com/office/drawing/2010/main" Requires="a14">
+      <mc:AlternateContent xmlns:mc="http://schemas.openxmlformats.org/markup-compatibility/2006" xmlns:a14="http://schemas.microsoft.com/office/drawing/2010/main">
+        <mc:Choice Requires="a14">
           <p:sp>
             <p:nvSpPr>
               <p:cNvPr id="7" name="Прямоугольник 6"/>
@@ -8516,6 +7994,7 @@
               </a:bodyPr>
               <a:lstStyle/>
               <a:p>
+                <a:pPr/>
                 <a14:m>
                   <m:oMathPara xmlns:m="http://schemas.openxmlformats.org/officeDocument/2006/math">
                     <m:oMathParaPr>
@@ -8573,7 +8052,7 @@
             </p:txBody>
           </p:sp>
         </mc:Choice>
-        <mc:Fallback>
+        <mc:Fallback xmlns="">
           <p:sp>
             <p:nvSpPr>
               <p:cNvPr id="7" name="Прямоугольник 6"/>
@@ -8632,7 +8111,7 @@
 </p:sld>
 </file>
 
-<file path=ppt/slides/slide16.xml><?xml version="1.0" encoding="utf-8"?>
+<file path=ppt/slides/slide15.xml><?xml version="1.0" encoding="utf-8"?>
 <p:sld xmlns:a="http://schemas.openxmlformats.org/drawingml/2006/main" xmlns:r="http://schemas.openxmlformats.org/officeDocument/2006/relationships" xmlns:p="http://schemas.openxmlformats.org/presentationml/2006/main">
   <p:cSld>
     <p:spTree>
@@ -8966,7 +8445,7 @@
 </p:sld>
 </file>
 
-<file path=ppt/slides/slide17.xml><?xml version="1.0" encoding="utf-8"?>
+<file path=ppt/slides/slide16.xml><?xml version="1.0" encoding="utf-8"?>
 <p:sld xmlns:a="http://schemas.openxmlformats.org/drawingml/2006/main" xmlns:r="http://schemas.openxmlformats.org/officeDocument/2006/relationships" xmlns:p="http://schemas.openxmlformats.org/presentationml/2006/main">
   <p:cSld>
     <p:spTree>
@@ -9097,8 +8576,8 @@
         </p:nvSpPr>
         <p:spPr>
           <a:xfrm>
-            <a:off x="1590805" y="3236404"/>
-            <a:ext cx="16872559" cy="9233256"/>
+            <a:off x="1590806" y="3236404"/>
+            <a:ext cx="16171102" cy="9233256"/>
           </a:xfrm>
           <a:prstGeom prst="rect">
             <a:avLst/>
@@ -9606,8 +9085,53 @@
                 <a:cs typeface="Open Sans"/>
                 <a:sym typeface="Open Sans"/>
               </a:rPr>
-              <a:t>нейронной сети, решающей задачу классификации изображений определенного типа.</a:t>
-            </a:r>
+              <a:t>нейронной сети, решающей задачу классификации изображений определенного </a:t>
+            </a:r>
+            <a:r>
+              <a:rPr lang="ru-RU" sz="3600" dirty="0">
+                <a:solidFill>
+                  <a:srgbClr val="292829"/>
+                </a:solidFill>
+                <a:latin typeface="Open Sans"/>
+                <a:ea typeface="Open Sans"/>
+                <a:cs typeface="Open Sans"/>
+                <a:sym typeface="Open Sans"/>
+              </a:rPr>
+              <a:t>типа </a:t>
+            </a:r>
+            <a:r>
+              <a:rPr lang="ru-RU" sz="3600" dirty="0" smtClean="0">
+                <a:solidFill>
+                  <a:srgbClr val="292829"/>
+                </a:solidFill>
+                <a:latin typeface="Open Sans"/>
+                <a:ea typeface="Open Sans"/>
+                <a:cs typeface="Open Sans"/>
+                <a:sym typeface="Open Sans"/>
+              </a:rPr>
+              <a:t>(рентгенография </a:t>
+            </a:r>
+            <a:r>
+              <a:rPr lang="ru-RU" sz="3600" dirty="0" smtClean="0">
+                <a:solidFill>
+                  <a:srgbClr val="292829"/>
+                </a:solidFill>
+                <a:latin typeface="Open Sans"/>
+                <a:ea typeface="Open Sans"/>
+                <a:cs typeface="Open Sans"/>
+                <a:sym typeface="Open Sans"/>
+              </a:rPr>
+              <a:t>легких).</a:t>
+            </a:r>
+            <a:endParaRPr lang="ru-RU" sz="3600" dirty="0">
+              <a:solidFill>
+                <a:srgbClr val="292829"/>
+              </a:solidFill>
+              <a:latin typeface="Open Sans"/>
+              <a:ea typeface="Open Sans"/>
+              <a:cs typeface="Open Sans"/>
+              <a:sym typeface="Open Sans"/>
+            </a:endParaRPr>
           </a:p>
         </p:txBody>
       </p:sp>
@@ -10821,296 +10345,6 @@
         </p:nvSpPr>
         <p:spPr>
           <a:xfrm>
-            <a:off x="1590804" y="1424125"/>
-            <a:ext cx="18313053" cy="1444336"/>
-          </a:xfrm>
-          <a:prstGeom prst="rect">
-            <a:avLst/>
-          </a:prstGeom>
-          <a:noFill/>
-          <a:ln>
-            <a:noFill/>
-          </a:ln>
-        </p:spPr>
-        <p:txBody>
-          <a:bodyPr spcFirstLastPara="1" wrap="square" lIns="38100" tIns="38100" rIns="38100" bIns="38100" anchor="t" anchorCtr="0">
-            <a:noAutofit/>
-          </a:bodyPr>
-          <a:lstStyle/>
-          <a:p>
-            <a:pPr marL="0" marR="0" lvl="0" indent="0" algn="l" rtl="0">
-              <a:spcBef>
-                <a:spcPts val="0"/>
-              </a:spcBef>
-              <a:spcAft>
-                <a:spcPts val="0"/>
-              </a:spcAft>
-              <a:buNone/>
-            </a:pPr>
-            <a:r>
-              <a:rPr lang="ru-RU" sz="10000" b="1" dirty="0" smtClean="0">
-                <a:solidFill>
-                  <a:srgbClr val="1F1F1F"/>
-                </a:solidFill>
-                <a:latin typeface="Montserrat"/>
-                <a:ea typeface="Montserrat"/>
-                <a:cs typeface="Montserrat"/>
-                <a:sym typeface="Montserrat"/>
-              </a:rPr>
-              <a:t>ОБЗОР СРЕДСТВ РАЗРАБОТКИ</a:t>
-            </a:r>
-            <a:endParaRPr sz="10000" b="1" i="0" u="none" strike="noStrike" cap="none" dirty="0">
-              <a:solidFill>
-                <a:schemeClr val="accent2"/>
-              </a:solidFill>
-              <a:latin typeface="Montserrat"/>
-              <a:ea typeface="Montserrat"/>
-              <a:cs typeface="Montserrat"/>
-              <a:sym typeface="Montserrat"/>
-            </a:endParaRPr>
-          </a:p>
-        </p:txBody>
-      </p:sp>
-      <p:sp>
-        <p:nvSpPr>
-          <p:cNvPr id="117" name="Google Shape;117;p4"/>
-          <p:cNvSpPr/>
-          <p:nvPr/>
-        </p:nvSpPr>
-        <p:spPr>
-          <a:xfrm>
-            <a:off x="1590804" y="4836369"/>
-            <a:ext cx="20592791" cy="4524275"/>
-          </a:xfrm>
-          <a:prstGeom prst="rect">
-            <a:avLst/>
-          </a:prstGeom>
-          <a:noFill/>
-          <a:ln>
-            <a:noFill/>
-          </a:ln>
-        </p:spPr>
-        <p:txBody>
-          <a:bodyPr spcFirstLastPara="1" wrap="square" lIns="91425" tIns="45700" rIns="91425" bIns="45700" anchor="t" anchorCtr="0">
-            <a:spAutoFit/>
-          </a:bodyPr>
-          <a:lstStyle/>
-          <a:p>
-            <a:pPr lvl="0">
-              <a:lnSpc>
-                <a:spcPct val="150000"/>
-              </a:lnSpc>
-            </a:pPr>
-            <a:r>
-              <a:rPr lang="ru-RU" sz="4800" dirty="0">
-                <a:solidFill>
-                  <a:srgbClr val="292829"/>
-                </a:solidFill>
-                <a:latin typeface="Open Sans"/>
-                <a:ea typeface="Open Sans"/>
-                <a:cs typeface="Open Sans"/>
-                <a:sym typeface="Open Sans"/>
-              </a:rPr>
-              <a:t>•	анализ предметной области</a:t>
-            </a:r>
-          </a:p>
-          <a:p>
-            <a:pPr lvl="0">
-              <a:lnSpc>
-                <a:spcPct val="150000"/>
-              </a:lnSpc>
-            </a:pPr>
-            <a:r>
-              <a:rPr lang="ru-RU" sz="4800" dirty="0">
-                <a:solidFill>
-                  <a:srgbClr val="292829"/>
-                </a:solidFill>
-                <a:latin typeface="Open Sans"/>
-                <a:ea typeface="Open Sans"/>
-                <a:cs typeface="Open Sans"/>
-                <a:sym typeface="Open Sans"/>
-              </a:rPr>
-              <a:t>•	проектирование нейронной сети</a:t>
-            </a:r>
-          </a:p>
-          <a:p>
-            <a:pPr lvl="0">
-              <a:lnSpc>
-                <a:spcPct val="150000"/>
-              </a:lnSpc>
-            </a:pPr>
-            <a:r>
-              <a:rPr lang="ru-RU" sz="4800" dirty="0">
-                <a:solidFill>
-                  <a:srgbClr val="292829"/>
-                </a:solidFill>
-                <a:latin typeface="Open Sans"/>
-                <a:ea typeface="Open Sans"/>
-                <a:cs typeface="Open Sans"/>
-                <a:sym typeface="Open Sans"/>
-              </a:rPr>
-              <a:t>•	реализация нейронной сети на </a:t>
-            </a:r>
-            <a:r>
-              <a:rPr lang="ru-RU" sz="4800" dirty="0" err="1">
-                <a:solidFill>
-                  <a:srgbClr val="292829"/>
-                </a:solidFill>
-                <a:latin typeface="Open Sans"/>
-                <a:ea typeface="Open Sans"/>
-                <a:cs typeface="Open Sans"/>
-                <a:sym typeface="Open Sans"/>
-              </a:rPr>
-              <a:t>Python</a:t>
-            </a:r>
-            <a:r>
-              <a:rPr lang="ru-RU" sz="4800" dirty="0">
-                <a:solidFill>
-                  <a:srgbClr val="292829"/>
-                </a:solidFill>
-                <a:latin typeface="Open Sans"/>
-                <a:ea typeface="Open Sans"/>
-                <a:cs typeface="Open Sans"/>
-                <a:sym typeface="Open Sans"/>
-              </a:rPr>
-              <a:t> при помощи </a:t>
-            </a:r>
-            <a:r>
-              <a:rPr lang="ru-RU" sz="4800" dirty="0" err="1">
-                <a:solidFill>
-                  <a:srgbClr val="292829"/>
-                </a:solidFill>
-                <a:latin typeface="Open Sans"/>
-                <a:ea typeface="Open Sans"/>
-                <a:cs typeface="Open Sans"/>
-                <a:sym typeface="Open Sans"/>
-              </a:rPr>
-              <a:t>TensorFlow</a:t>
-            </a:r>
-            <a:endParaRPr lang="ru-RU" sz="4800" dirty="0">
-              <a:solidFill>
-                <a:srgbClr val="292829"/>
-              </a:solidFill>
-              <a:latin typeface="Open Sans"/>
-              <a:ea typeface="Open Sans"/>
-              <a:cs typeface="Open Sans"/>
-              <a:sym typeface="Open Sans"/>
-            </a:endParaRPr>
-          </a:p>
-          <a:p>
-            <a:pPr lvl="0">
-              <a:lnSpc>
-                <a:spcPct val="150000"/>
-              </a:lnSpc>
-            </a:pPr>
-            <a:r>
-              <a:rPr lang="ru-RU" sz="4800" dirty="0">
-                <a:solidFill>
-                  <a:srgbClr val="292829"/>
-                </a:solidFill>
-                <a:latin typeface="Open Sans"/>
-                <a:ea typeface="Open Sans"/>
-                <a:cs typeface="Open Sans"/>
-                <a:sym typeface="Open Sans"/>
-              </a:rPr>
-              <a:t>•	обучение сети и оценка результатов</a:t>
-            </a:r>
-          </a:p>
-        </p:txBody>
-      </p:sp>
-      <p:sp>
-        <p:nvSpPr>
-          <p:cNvPr id="11" name="Овал 10"/>
-          <p:cNvSpPr/>
-          <p:nvPr/>
-        </p:nvSpPr>
-        <p:spPr>
-          <a:xfrm>
-            <a:off x="1590805" y="11849622"/>
-            <a:ext cx="2404998" cy="1240077"/>
-          </a:xfrm>
-          <a:prstGeom prst="ellipse">
-            <a:avLst/>
-          </a:prstGeom>
-          <a:solidFill>
-            <a:srgbClr val="FFFFFF"/>
-          </a:solidFill>
-          <a:ln>
-            <a:solidFill>
-              <a:srgbClr val="FFFFFF"/>
-            </a:solidFill>
-          </a:ln>
-        </p:spPr>
-        <p:style>
-          <a:lnRef idx="2">
-            <a:schemeClr val="accent1">
-              <a:shade val="50000"/>
-            </a:schemeClr>
-          </a:lnRef>
-          <a:fillRef idx="1">
-            <a:schemeClr val="accent1"/>
-          </a:fillRef>
-          <a:effectRef idx="0">
-            <a:schemeClr val="accent1"/>
-          </a:effectRef>
-          <a:fontRef idx="minor">
-            <a:schemeClr val="lt1"/>
-          </a:fontRef>
-        </p:style>
-        <p:txBody>
-          <a:bodyPr rtlCol="0" anchor="ctr"/>
-          <a:lstStyle/>
-          <a:p>
-            <a:pPr algn="ctr"/>
-            <a:endParaRPr lang="ru-RU"/>
-          </a:p>
-        </p:txBody>
-      </p:sp>
-    </p:spTree>
-    <p:extLst>
-      <p:ext uri="{BB962C8B-B14F-4D97-AF65-F5344CB8AC3E}">
-        <p14:creationId xmlns:p14="http://schemas.microsoft.com/office/powerpoint/2010/main" val="1273252403"/>
-      </p:ext>
-    </p:extLst>
-  </p:cSld>
-  <p:clrMapOvr>
-    <a:masterClrMapping/>
-  </p:clrMapOvr>
-  <p:timing>
-    <p:tnLst>
-      <p:par>
-        <p:cTn id="1" dur="indefinite" restart="never" nodeType="tmRoot"/>
-      </p:par>
-    </p:tnLst>
-  </p:timing>
-</p:sld>
-</file>
-
-<file path=ppt/slides/slide7.xml><?xml version="1.0" encoding="utf-8"?>
-<p:sld xmlns:a="http://schemas.openxmlformats.org/drawingml/2006/main" xmlns:r="http://schemas.openxmlformats.org/officeDocument/2006/relationships" xmlns:p="http://schemas.openxmlformats.org/presentationml/2006/main">
-  <p:cSld>
-    <p:spTree>
-      <p:nvGrpSpPr>
-        <p:cNvPr id="1" name="Shape 115"/>
-        <p:cNvGrpSpPr/>
-        <p:nvPr/>
-      </p:nvGrpSpPr>
-      <p:grpSpPr>
-        <a:xfrm>
-          <a:off x="0" y="0"/>
-          <a:ext cx="0" cy="0"/>
-          <a:chOff x="0" y="0"/>
-          <a:chExt cx="0" cy="0"/>
-        </a:xfrm>
-      </p:grpSpPr>
-      <p:sp>
-        <p:nvSpPr>
-          <p:cNvPr id="116" name="Google Shape;116;p4"/>
-          <p:cNvSpPr txBox="1"/>
-          <p:nvPr/>
-        </p:nvSpPr>
-        <p:spPr>
-          <a:xfrm>
             <a:off x="1487224" y="1121363"/>
             <a:ext cx="8333180" cy="1444336"/>
           </a:xfrm>
@@ -11515,7 +10749,7 @@
 </p:sld>
 </file>
 
-<file path=ppt/slides/slide8.xml><?xml version="1.0" encoding="utf-8"?>
+<file path=ppt/slides/slide7.xml><?xml version="1.0" encoding="utf-8"?>
 <p:sld xmlns:a="http://schemas.openxmlformats.org/drawingml/2006/main" xmlns:r="http://schemas.openxmlformats.org/officeDocument/2006/relationships" xmlns:p="http://schemas.openxmlformats.org/presentationml/2006/main">
   <p:cSld>
     <p:spTree>
@@ -11813,7 +11047,7 @@
 </p:sld>
 </file>
 
-<file path=ppt/slides/slide9.xml><?xml version="1.0" encoding="utf-8"?>
+<file path=ppt/slides/slide8.xml><?xml version="1.0" encoding="utf-8"?>
 <p:sld xmlns:a="http://schemas.openxmlformats.org/drawingml/2006/main" xmlns:r="http://schemas.openxmlformats.org/officeDocument/2006/relationships" xmlns:p="http://schemas.openxmlformats.org/presentationml/2006/main">
   <p:cSld>
     <p:spTree>
@@ -11926,6 +11160,381 @@
     <p:extLst>
       <p:ext uri="{BB962C8B-B14F-4D97-AF65-F5344CB8AC3E}">
         <p14:creationId xmlns:p14="http://schemas.microsoft.com/office/powerpoint/2010/main" val="2028736684"/>
+      </p:ext>
+    </p:extLst>
+  </p:cSld>
+  <p:clrMapOvr>
+    <a:masterClrMapping/>
+  </p:clrMapOvr>
+  <p:timing>
+    <p:tnLst>
+      <p:par>
+        <p:cTn id="1" dur="indefinite" restart="never" nodeType="tmRoot"/>
+      </p:par>
+    </p:tnLst>
+  </p:timing>
+</p:sld>
+</file>
+
+<file path=ppt/slides/slide9.xml><?xml version="1.0" encoding="utf-8"?>
+<p:sld xmlns:a="http://schemas.openxmlformats.org/drawingml/2006/main" xmlns:r="http://schemas.openxmlformats.org/officeDocument/2006/relationships" xmlns:p="http://schemas.openxmlformats.org/presentationml/2006/main">
+  <p:cSld>
+    <p:spTree>
+      <p:nvGrpSpPr>
+        <p:cNvPr id="1" name="Shape 115"/>
+        <p:cNvGrpSpPr/>
+        <p:nvPr/>
+      </p:nvGrpSpPr>
+      <p:grpSpPr>
+        <a:xfrm>
+          <a:off x="0" y="0"/>
+          <a:ext cx="0" cy="0"/>
+          <a:chOff x="0" y="0"/>
+          <a:chExt cx="0" cy="0"/>
+        </a:xfrm>
+      </p:grpSpPr>
+      <p:sp>
+        <p:nvSpPr>
+          <p:cNvPr id="116" name="Google Shape;116;p4"/>
+          <p:cNvSpPr txBox="1"/>
+          <p:nvPr/>
+        </p:nvSpPr>
+        <p:spPr>
+          <a:xfrm>
+            <a:off x="1265129" y="822877"/>
+            <a:ext cx="12024987" cy="1444336"/>
+          </a:xfrm>
+          <a:prstGeom prst="rect">
+            <a:avLst/>
+          </a:prstGeom>
+          <a:noFill/>
+          <a:ln>
+            <a:noFill/>
+          </a:ln>
+        </p:spPr>
+        <p:txBody>
+          <a:bodyPr spcFirstLastPara="1" wrap="square" lIns="38100" tIns="38100" rIns="38100" bIns="38100" anchor="t" anchorCtr="0">
+            <a:noAutofit/>
+          </a:bodyPr>
+          <a:lstStyle/>
+          <a:p>
+            <a:pPr marL="0" marR="0" lvl="0" indent="0" algn="l" rtl="0">
+              <a:spcBef>
+                <a:spcPts val="0"/>
+              </a:spcBef>
+              <a:spcAft>
+                <a:spcPts val="0"/>
+              </a:spcAft>
+              <a:buNone/>
+            </a:pPr>
+            <a:r>
+              <a:rPr lang="ru-RU" sz="10000" b="1" dirty="0" smtClean="0">
+                <a:solidFill>
+                  <a:srgbClr val="1F1F1F"/>
+                </a:solidFill>
+                <a:latin typeface="Montserrat"/>
+                <a:ea typeface="Montserrat"/>
+                <a:cs typeface="Montserrat"/>
+                <a:sym typeface="Montserrat"/>
+              </a:rPr>
+              <a:t>НАБОР ДАННЫХ</a:t>
+            </a:r>
+            <a:endParaRPr sz="10000" b="1" i="0" u="none" strike="noStrike" cap="none" dirty="0">
+              <a:solidFill>
+                <a:schemeClr val="accent2"/>
+              </a:solidFill>
+              <a:latin typeface="Montserrat"/>
+              <a:ea typeface="Montserrat"/>
+              <a:cs typeface="Montserrat"/>
+              <a:sym typeface="Montserrat"/>
+            </a:endParaRPr>
+          </a:p>
+        </p:txBody>
+      </p:sp>
+      <p:sp>
+        <p:nvSpPr>
+          <p:cNvPr id="11" name="Овал 10"/>
+          <p:cNvSpPr/>
+          <p:nvPr/>
+        </p:nvSpPr>
+        <p:spPr>
+          <a:xfrm>
+            <a:off x="1590805" y="11849622"/>
+            <a:ext cx="2404998" cy="1240077"/>
+          </a:xfrm>
+          <a:prstGeom prst="ellipse">
+            <a:avLst/>
+          </a:prstGeom>
+          <a:solidFill>
+            <a:srgbClr val="FFFFFF"/>
+          </a:solidFill>
+          <a:ln>
+            <a:solidFill>
+              <a:srgbClr val="FFFFFF"/>
+            </a:solidFill>
+          </a:ln>
+        </p:spPr>
+        <p:style>
+          <a:lnRef idx="2">
+            <a:schemeClr val="accent1">
+              <a:shade val="50000"/>
+            </a:schemeClr>
+          </a:lnRef>
+          <a:fillRef idx="1">
+            <a:schemeClr val="accent1"/>
+          </a:fillRef>
+          <a:effectRef idx="0">
+            <a:schemeClr val="accent1"/>
+          </a:effectRef>
+          <a:fontRef idx="minor">
+            <a:schemeClr val="lt1"/>
+          </a:fontRef>
+        </p:style>
+        <p:txBody>
+          <a:bodyPr rtlCol="0" anchor="ctr"/>
+          <a:lstStyle/>
+          <a:p>
+            <a:pPr algn="ctr"/>
+            <a:endParaRPr lang="ru-RU"/>
+          </a:p>
+        </p:txBody>
+      </p:sp>
+      <p:pic>
+        <p:nvPicPr>
+          <p:cNvPr id="6" name="Рисунок 5"/>
+          <p:cNvPicPr/>
+          <p:nvPr/>
+        </p:nvPicPr>
+        <p:blipFill>
+          <a:blip r:embed="rId3"/>
+          <a:stretch>
+            <a:fillRect/>
+          </a:stretch>
+        </p:blipFill>
+        <p:spPr>
+          <a:xfrm>
+            <a:off x="12114333" y="2740524"/>
+            <a:ext cx="11973218" cy="9848132"/>
+          </a:xfrm>
+          <a:prstGeom prst="rect">
+            <a:avLst/>
+          </a:prstGeom>
+        </p:spPr>
+      </p:pic>
+      <p:sp>
+        <p:nvSpPr>
+          <p:cNvPr id="9" name="Google Shape;117;p4"/>
+          <p:cNvSpPr/>
+          <p:nvPr/>
+        </p:nvSpPr>
+        <p:spPr>
+          <a:xfrm>
+            <a:off x="1265129" y="4890513"/>
+            <a:ext cx="10233767" cy="5909270"/>
+          </a:xfrm>
+          <a:prstGeom prst="rect">
+            <a:avLst/>
+          </a:prstGeom>
+          <a:noFill/>
+          <a:ln>
+            <a:noFill/>
+          </a:ln>
+        </p:spPr>
+        <p:txBody>
+          <a:bodyPr spcFirstLastPara="1" wrap="square" lIns="91425" tIns="45700" rIns="91425" bIns="45700" anchor="t" anchorCtr="0">
+            <a:spAutoFit/>
+          </a:bodyPr>
+          <a:lstStyle/>
+          <a:p>
+            <a:pPr lvl="0" algn="just">
+              <a:lnSpc>
+                <a:spcPct val="150000"/>
+              </a:lnSpc>
+            </a:pPr>
+            <a:r>
+              <a:rPr lang="ru-RU" sz="3600" dirty="0" smtClean="0">
+                <a:solidFill>
+                  <a:srgbClr val="292829"/>
+                </a:solidFill>
+                <a:latin typeface="Open Sans"/>
+                <a:ea typeface="Open Sans"/>
+                <a:cs typeface="Open Sans"/>
+                <a:sym typeface="Open Sans"/>
+              </a:rPr>
+              <a:t>Данные </a:t>
+            </a:r>
+            <a:r>
+              <a:rPr lang="ru-RU" sz="3600" dirty="0">
+                <a:solidFill>
+                  <a:srgbClr val="292829"/>
+                </a:solidFill>
+                <a:latin typeface="Open Sans"/>
+                <a:ea typeface="Open Sans"/>
+                <a:cs typeface="Open Sans"/>
+                <a:sym typeface="Open Sans"/>
+              </a:rPr>
+              <a:t>в наборе </a:t>
+            </a:r>
+            <a:r>
+              <a:rPr lang="ru-RU" sz="3600" b="1" dirty="0" err="1">
+                <a:solidFill>
+                  <a:srgbClr val="292829"/>
+                </a:solidFill>
+                <a:latin typeface="Open Sans"/>
+                <a:ea typeface="Open Sans"/>
+                <a:cs typeface="Open Sans"/>
+                <a:sym typeface="Open Sans"/>
+              </a:rPr>
+              <a:t>несбалансированны</a:t>
+            </a:r>
+            <a:r>
+              <a:rPr lang="ru-RU" sz="3600" dirty="0">
+                <a:solidFill>
+                  <a:srgbClr val="292829"/>
+                </a:solidFill>
+                <a:latin typeface="Open Sans"/>
+                <a:ea typeface="Open Sans"/>
+                <a:cs typeface="Open Sans"/>
+                <a:sym typeface="Open Sans"/>
+              </a:rPr>
+              <a:t>, нужно использовать метод увеличения недостающих данных. </a:t>
+            </a:r>
+            <a:r>
+              <a:rPr lang="ru-RU" sz="3600" dirty="0" smtClean="0">
+                <a:solidFill>
+                  <a:srgbClr val="292829"/>
+                </a:solidFill>
+                <a:latin typeface="Open Sans"/>
+                <a:ea typeface="Open Sans"/>
+                <a:cs typeface="Open Sans"/>
+                <a:sym typeface="Open Sans"/>
+              </a:rPr>
+              <a:t>В </a:t>
+            </a:r>
+            <a:r>
+              <a:rPr lang="ru-RU" sz="3600" dirty="0">
+                <a:solidFill>
+                  <a:srgbClr val="292829"/>
+                </a:solidFill>
+                <a:latin typeface="Open Sans"/>
+                <a:ea typeface="Open Sans"/>
+                <a:cs typeface="Open Sans"/>
+                <a:sym typeface="Open Sans"/>
+              </a:rPr>
+              <a:t>качестве методов увеличения были выбраны горизонтальный </a:t>
+            </a:r>
+            <a:r>
+              <a:rPr lang="ru-RU" sz="3600" dirty="0" smtClean="0">
+                <a:solidFill>
+                  <a:srgbClr val="292829"/>
+                </a:solidFill>
+                <a:latin typeface="Open Sans"/>
+                <a:ea typeface="Open Sans"/>
+                <a:cs typeface="Open Sans"/>
+                <a:sym typeface="Open Sans"/>
+              </a:rPr>
+              <a:t>переворот, </a:t>
+            </a:r>
+            <a:r>
+              <a:rPr lang="ru-RU" sz="3600" dirty="0">
+                <a:solidFill>
+                  <a:srgbClr val="292829"/>
+                </a:solidFill>
+                <a:latin typeface="Open Sans"/>
+                <a:ea typeface="Open Sans"/>
+                <a:cs typeface="Open Sans"/>
+                <a:sym typeface="Open Sans"/>
+              </a:rPr>
+              <a:t>поворот на 20 градусов </a:t>
+            </a:r>
+            <a:r>
+              <a:rPr lang="ru-RU" sz="3600" dirty="0" smtClean="0">
+                <a:solidFill>
+                  <a:srgbClr val="292829"/>
+                </a:solidFill>
+                <a:latin typeface="Open Sans"/>
+                <a:ea typeface="Open Sans"/>
+                <a:cs typeface="Open Sans"/>
+                <a:sym typeface="Open Sans"/>
+              </a:rPr>
+              <a:t>и </a:t>
+            </a:r>
+            <a:r>
+              <a:rPr lang="ru-RU" sz="3600" dirty="0">
+                <a:solidFill>
+                  <a:srgbClr val="292829"/>
+                </a:solidFill>
+                <a:latin typeface="Open Sans"/>
+                <a:ea typeface="Open Sans"/>
+                <a:cs typeface="Open Sans"/>
+                <a:sym typeface="Open Sans"/>
+              </a:rPr>
+              <a:t>случайное изменение </a:t>
+            </a:r>
+            <a:r>
+              <a:rPr lang="ru-RU" sz="3600" dirty="0" smtClean="0">
+                <a:solidFill>
+                  <a:srgbClr val="292829"/>
+                </a:solidFill>
+                <a:latin typeface="Open Sans"/>
+                <a:ea typeface="Open Sans"/>
+                <a:cs typeface="Open Sans"/>
+                <a:sym typeface="Open Sans"/>
+              </a:rPr>
+              <a:t>яркости</a:t>
+            </a:r>
+            <a:r>
+              <a:rPr lang="ru-RU" sz="3600" dirty="0">
+                <a:solidFill>
+                  <a:srgbClr val="292829"/>
+                </a:solidFill>
+                <a:latin typeface="Open Sans"/>
+                <a:ea typeface="Open Sans"/>
+                <a:cs typeface="Open Sans"/>
+                <a:sym typeface="Open Sans"/>
+              </a:rPr>
+              <a:t>. (библиотека </a:t>
+            </a:r>
+            <a:r>
+              <a:rPr lang="en-US" sz="3600" i="1" dirty="0" err="1">
+                <a:solidFill>
+                  <a:srgbClr val="292829"/>
+                </a:solidFill>
+                <a:latin typeface="Open Sans"/>
+                <a:ea typeface="Open Sans"/>
+                <a:cs typeface="Open Sans"/>
+                <a:sym typeface="Open Sans"/>
+              </a:rPr>
+              <a:t>Imgaug</a:t>
+            </a:r>
+            <a:r>
+              <a:rPr lang="ru-RU" sz="3600" dirty="0" smtClean="0">
+                <a:solidFill>
+                  <a:srgbClr val="292829"/>
+                </a:solidFill>
+                <a:latin typeface="Open Sans"/>
+                <a:ea typeface="Open Sans"/>
+                <a:cs typeface="Open Sans"/>
+                <a:sym typeface="Open Sans"/>
+              </a:rPr>
+              <a:t>)</a:t>
+            </a:r>
+            <a:endParaRPr lang="ru-RU" sz="3600" dirty="0">
+              <a:solidFill>
+                <a:srgbClr val="292829"/>
+              </a:solidFill>
+              <a:latin typeface="Open Sans"/>
+              <a:ea typeface="Open Sans"/>
+              <a:cs typeface="Open Sans"/>
+              <a:sym typeface="Open Sans"/>
+            </a:endParaRPr>
+          </a:p>
+        </p:txBody>
+      </p:sp>
+    </p:spTree>
+    <p:extLst>
+      <p:ext uri="{BB962C8B-B14F-4D97-AF65-F5344CB8AC3E}">
+        <p14:creationId xmlns:p14="http://schemas.microsoft.com/office/powerpoint/2010/main" val="180218851"/>
       </p:ext>
     </p:extLst>
   </p:cSld>
